--- a/CSCE689-23/L3.pptx
+++ b/CSCE689-23/L3.pptx
@@ -14,11 +14,11 @@
     <p:sldId id="807" r:id="rId8"/>
     <p:sldId id="808" r:id="rId9"/>
     <p:sldId id="259" r:id="rId10"/>
-    <p:sldId id="796" r:id="rId11"/>
-    <p:sldId id="797" r:id="rId12"/>
-    <p:sldId id="798" r:id="rId13"/>
-    <p:sldId id="795" r:id="rId14"/>
-    <p:sldId id="760" r:id="rId15"/>
+    <p:sldId id="760" r:id="rId11"/>
+    <p:sldId id="796" r:id="rId12"/>
+    <p:sldId id="797" r:id="rId13"/>
+    <p:sldId id="798" r:id="rId14"/>
+    <p:sldId id="795" r:id="rId15"/>
     <p:sldId id="814" r:id="rId16"/>
     <p:sldId id="815" r:id="rId17"/>
     <p:sldId id="816" r:id="rId18"/>
@@ -35,14 +35,6 @@
     <p:sldId id="819" r:id="rId29"/>
     <p:sldId id="824" r:id="rId30"/>
     <p:sldId id="825" r:id="rId31"/>
-    <p:sldId id="794" r:id="rId32"/>
-    <p:sldId id="769" r:id="rId33"/>
-    <p:sldId id="767" r:id="rId34"/>
-    <p:sldId id="260" r:id="rId35"/>
-    <p:sldId id="261" r:id="rId36"/>
-    <p:sldId id="761" r:id="rId37"/>
-    <p:sldId id="762" r:id="rId38"/>
-    <p:sldId id="763" r:id="rId39"/>
   </p:sldIdLst>
   <p:sldSz cx="12192000" cy="6858000"/>
   <p:notesSz cx="6858000" cy="9144000"/>
@@ -3498,6 +3490,248 @@
                   <a:srgbClr val="C00000"/>
                 </a:solidFill>
               </a:rPr>
+              <a:t>Expected Value</a:t>
+            </a:r>
+            <a:endParaRPr lang="en-US" dirty="0"/>
+          </a:p>
+        </p:txBody>
+      </p:sp>
+      <mc:AlternateContent xmlns:mc="http://schemas.openxmlformats.org/markup-compatibility/2006" xmlns:a14="http://schemas.microsoft.com/office/drawing/2010/main">
+        <mc:Choice Requires="a14">
+          <p:sp>
+            <p:nvSpPr>
+              <p:cNvPr id="3" name="Content Placeholder 2">
+                <a:extLst>
+                  <a:ext uri="{FF2B5EF4-FFF2-40B4-BE49-F238E27FC236}">
+                    <a16:creationId xmlns:a16="http://schemas.microsoft.com/office/drawing/2014/main" id="{6666941B-6AAA-DFD0-8896-ACB1B4FE2AC6}"/>
+                  </a:ext>
+                </a:extLst>
+              </p:cNvPr>
+              <p:cNvSpPr>
+                <a:spLocks noGrp="1"/>
+              </p:cNvSpPr>
+              <p:nvPr>
+                <p:ph idx="1"/>
+              </p:nvPr>
+            </p:nvSpPr>
+            <p:spPr>
+              <a:xfrm>
+                <a:off x="838200" y="1825625"/>
+                <a:ext cx="10515600" cy="4667250"/>
+              </a:xfrm>
+            </p:spPr>
+            <p:txBody>
+              <a:bodyPr>
+                <a:normAutofit/>
+              </a:bodyPr>
+              <a:lstStyle/>
+              <a:p>
+                <a:r>
+                  <a:rPr lang="en-US" dirty="0"/>
+                  <a:t>Suppose we roll a </a:t>
+                </a:r>
+                <a14:m>
+                  <m:oMath xmlns:m="http://schemas.openxmlformats.org/officeDocument/2006/math">
+                    <m:r>
+                      <a:rPr lang="en-US" b="0" i="1" dirty="0" smtClean="0">
+                        <a:solidFill>
+                          <a:srgbClr val="C00000"/>
+                        </a:solidFill>
+                        <a:latin typeface="Cambria Math" panose="02040503050406030204" pitchFamily="18" charset="0"/>
+                      </a:rPr>
+                      <m:t>6</m:t>
+                    </m:r>
+                  </m:oMath>
+                </a14:m>
+                <a:r>
+                  <a:rPr lang="en-US" dirty="0"/>
+                  <a:t>-sided die</a:t>
+                </a:r>
+              </a:p>
+              <a:p>
+                <a:endParaRPr lang="en-US" dirty="0"/>
+              </a:p>
+              <a:p>
+                <a:r>
+                  <a:rPr lang="en-US" dirty="0"/>
+                  <a:t>Let </a:t>
+                </a:r>
+                <a14:m>
+                  <m:oMath xmlns:m="http://schemas.openxmlformats.org/officeDocument/2006/math">
+                    <m:r>
+                      <a:rPr lang="en-US" b="0" i="1" dirty="0" smtClean="0">
+                        <a:solidFill>
+                          <a:srgbClr val="C00000"/>
+                        </a:solidFill>
+                        <a:latin typeface="Cambria Math" panose="02040503050406030204" pitchFamily="18" charset="0"/>
+                      </a:rPr>
+                      <m:t>𝑋</m:t>
+                    </m:r>
+                  </m:oMath>
+                </a14:m>
+                <a:r>
+                  <a:rPr lang="en-US" dirty="0"/>
+                  <a:t> be the outcome of the roll</a:t>
+                </a:r>
+              </a:p>
+              <a:p>
+                <a:endParaRPr lang="en-US" dirty="0"/>
+              </a:p>
+              <a:p>
+                <a:r>
+                  <a:rPr lang="en-US" dirty="0"/>
+                  <a:t>What is </a:t>
+                </a:r>
+                <a14:m>
+                  <m:oMath xmlns:m="http://schemas.openxmlformats.org/officeDocument/2006/math">
+                    <m:r>
+                      <m:rPr>
+                        <m:sty m:val="p"/>
+                      </m:rPr>
+                      <a:rPr lang="en-US" sz="2800" b="0" i="0" dirty="0" smtClean="0">
+                        <a:solidFill>
+                          <a:srgbClr val="C00000"/>
+                        </a:solidFill>
+                        <a:latin typeface="Cambria Math" panose="02040503050406030204" pitchFamily="18" charset="0"/>
+                      </a:rPr>
+                      <m:t>E</m:t>
+                    </m:r>
+                    <m:d>
+                      <m:dPr>
+                        <m:begChr m:val="["/>
+                        <m:endChr m:val="]"/>
+                        <m:ctrlPr>
+                          <a:rPr lang="en-US" sz="2800" b="0" i="1" dirty="0" smtClean="0">
+                            <a:solidFill>
+                              <a:srgbClr val="C00000"/>
+                            </a:solidFill>
+                            <a:latin typeface="Cambria Math" panose="02040503050406030204" pitchFamily="18" charset="0"/>
+                          </a:rPr>
+                        </m:ctrlPr>
+                      </m:dPr>
+                      <m:e>
+                        <m:r>
+                          <a:rPr lang="en-US" sz="2800" b="0" i="1" dirty="0" smtClean="0">
+                            <a:solidFill>
+                              <a:srgbClr val="C00000"/>
+                            </a:solidFill>
+                            <a:latin typeface="Cambria Math" panose="02040503050406030204" pitchFamily="18" charset="0"/>
+                          </a:rPr>
+                          <m:t>𝑋</m:t>
+                        </m:r>
+                      </m:e>
+                    </m:d>
+                  </m:oMath>
+                </a14:m>
+                <a:r>
+                  <a:rPr lang="en-US" dirty="0"/>
+                  <a:t>?</a:t>
+                </a:r>
+              </a:p>
+            </p:txBody>
+          </p:sp>
+        </mc:Choice>
+        <mc:Fallback xmlns="">
+          <p:sp>
+            <p:nvSpPr>
+              <p:cNvPr id="3" name="Content Placeholder 2">
+                <a:extLst>
+                  <a:ext uri="{FF2B5EF4-FFF2-40B4-BE49-F238E27FC236}">
+                    <a16:creationId xmlns:a16="http://schemas.microsoft.com/office/drawing/2014/main" id="{6666941B-6AAA-DFD0-8896-ACB1B4FE2AC6}"/>
+                  </a:ext>
+                </a:extLst>
+              </p:cNvPr>
+              <p:cNvSpPr>
+                <a:spLocks noGrp="1" noRot="1" noChangeAspect="1" noMove="1" noResize="1" noEditPoints="1" noAdjustHandles="1" noChangeArrowheads="1" noChangeShapeType="1" noTextEdit="1"/>
+              </p:cNvSpPr>
+              <p:nvPr>
+                <p:ph idx="1"/>
+              </p:nvPr>
+            </p:nvSpPr>
+            <p:spPr>
+              <a:xfrm>
+                <a:off x="838200" y="1825625"/>
+                <a:ext cx="10515600" cy="4667250"/>
+              </a:xfrm>
+              <a:blipFill>
+                <a:blip r:embed="rId2"/>
+                <a:stretch>
+                  <a:fillRect l="-1043" t="-2089"/>
+                </a:stretch>
+              </a:blipFill>
+            </p:spPr>
+            <p:txBody>
+              <a:bodyPr/>
+              <a:lstStyle/>
+              <a:p>
+                <a:r>
+                  <a:rPr lang="en-US">
+                    <a:noFill/>
+                  </a:rPr>
+                  <a:t> </a:t>
+                </a:r>
+              </a:p>
+            </p:txBody>
+          </p:sp>
+        </mc:Fallback>
+      </mc:AlternateContent>
+    </p:spTree>
+    <p:extLst>
+      <p:ext uri="{BB962C8B-B14F-4D97-AF65-F5344CB8AC3E}">
+        <p14:creationId xmlns:p14="http://schemas.microsoft.com/office/powerpoint/2010/main" val="3902745057"/>
+      </p:ext>
+    </p:extLst>
+  </p:cSld>
+  <p:clrMapOvr>
+    <a:masterClrMapping/>
+  </p:clrMapOvr>
+</p:sld>
+</file>
+
+<file path=ppt/slides/slide11.xml><?xml version="1.0" encoding="utf-8"?>
+<p:sld xmlns:a="http://schemas.openxmlformats.org/drawingml/2006/main" xmlns:r="http://schemas.openxmlformats.org/officeDocument/2006/relationships" xmlns:p="http://schemas.openxmlformats.org/presentationml/2006/main">
+  <p:cSld>
+    <p:spTree>
+      <p:nvGrpSpPr>
+        <p:cNvPr id="1" name=""/>
+        <p:cNvGrpSpPr/>
+        <p:nvPr/>
+      </p:nvGrpSpPr>
+      <p:grpSpPr>
+        <a:xfrm>
+          <a:off x="0" y="0"/>
+          <a:ext cx="0" cy="0"/>
+          <a:chOff x="0" y="0"/>
+          <a:chExt cx="0" cy="0"/>
+        </a:xfrm>
+      </p:grpSpPr>
+      <p:sp>
+        <p:nvSpPr>
+          <p:cNvPr id="2" name="Title 1">
+            <a:extLst>
+              <a:ext uri="{FF2B5EF4-FFF2-40B4-BE49-F238E27FC236}">
+                <a16:creationId xmlns:a16="http://schemas.microsoft.com/office/drawing/2014/main" id="{A49DDC00-2744-B7F9-8394-609BE1AEC413}"/>
+              </a:ext>
+            </a:extLst>
+          </p:cNvPr>
+          <p:cNvSpPr>
+            <a:spLocks noGrp="1"/>
+          </p:cNvSpPr>
+          <p:nvPr>
+            <p:ph type="title"/>
+          </p:nvPr>
+        </p:nvSpPr>
+        <p:spPr/>
+        <p:txBody>
+          <a:bodyPr/>
+          <a:lstStyle/>
+          <a:p>
+            <a:r>
+              <a:rPr lang="en-US" dirty="0">
+                <a:solidFill>
+                  <a:srgbClr val="C00000"/>
+                </a:solidFill>
+              </a:rPr>
               <a:t>Linearity of Expectation</a:t>
             </a:r>
             <a:endParaRPr lang="en-US" dirty="0"/>
@@ -4211,7 +4445,7 @@
 </p:sld>
 </file>
 
-<file path=ppt/slides/slide11.xml><?xml version="1.0" encoding="utf-8"?>
+<file path=ppt/slides/slide12.xml><?xml version="1.0" encoding="utf-8"?>
 <p:sld xmlns:a="http://schemas.openxmlformats.org/drawingml/2006/main" xmlns:r="http://schemas.openxmlformats.org/officeDocument/2006/relationships" xmlns:p="http://schemas.openxmlformats.org/presentationml/2006/main">
   <p:cSld>
     <p:spTree>
@@ -5608,7 +5842,7 @@
 </p:sld>
 </file>
 
-<file path=ppt/slides/slide12.xml><?xml version="1.0" encoding="utf-8"?>
+<file path=ppt/slides/slide13.xml><?xml version="1.0" encoding="utf-8"?>
 <p:sld xmlns:a="http://schemas.openxmlformats.org/drawingml/2006/main" xmlns:r="http://schemas.openxmlformats.org/officeDocument/2006/relationships" xmlns:p="http://schemas.openxmlformats.org/presentationml/2006/main">
   <p:cSld>
     <p:spTree>
@@ -7628,7 +7862,7 @@
 </p:sld>
 </file>
 
-<file path=ppt/slides/slide13.xml><?xml version="1.0" encoding="utf-8"?>
+<file path=ppt/slides/slide14.xml><?xml version="1.0" encoding="utf-8"?>
 <p:sld xmlns:a="http://schemas.openxmlformats.org/drawingml/2006/main" xmlns:r="http://schemas.openxmlformats.org/officeDocument/2006/relationships" xmlns:p="http://schemas.openxmlformats.org/presentationml/2006/main">
   <p:cSld>
     <p:spTree>
@@ -10151,248 +10385,6 @@
 </p:sld>
 </file>
 
-<file path=ppt/slides/slide14.xml><?xml version="1.0" encoding="utf-8"?>
-<p:sld xmlns:a="http://schemas.openxmlformats.org/drawingml/2006/main" xmlns:r="http://schemas.openxmlformats.org/officeDocument/2006/relationships" xmlns:p="http://schemas.openxmlformats.org/presentationml/2006/main">
-  <p:cSld>
-    <p:spTree>
-      <p:nvGrpSpPr>
-        <p:cNvPr id="1" name=""/>
-        <p:cNvGrpSpPr/>
-        <p:nvPr/>
-      </p:nvGrpSpPr>
-      <p:grpSpPr>
-        <a:xfrm>
-          <a:off x="0" y="0"/>
-          <a:ext cx="0" cy="0"/>
-          <a:chOff x="0" y="0"/>
-          <a:chExt cx="0" cy="0"/>
-        </a:xfrm>
-      </p:grpSpPr>
-      <p:sp>
-        <p:nvSpPr>
-          <p:cNvPr id="2" name="Title 1">
-            <a:extLst>
-              <a:ext uri="{FF2B5EF4-FFF2-40B4-BE49-F238E27FC236}">
-                <a16:creationId xmlns:a16="http://schemas.microsoft.com/office/drawing/2014/main" id="{A49DDC00-2744-B7F9-8394-609BE1AEC413}"/>
-              </a:ext>
-            </a:extLst>
-          </p:cNvPr>
-          <p:cNvSpPr>
-            <a:spLocks noGrp="1"/>
-          </p:cNvSpPr>
-          <p:nvPr>
-            <p:ph type="title"/>
-          </p:nvPr>
-        </p:nvSpPr>
-        <p:spPr/>
-        <p:txBody>
-          <a:bodyPr/>
-          <a:lstStyle/>
-          <a:p>
-            <a:r>
-              <a:rPr lang="en-US" dirty="0">
-                <a:solidFill>
-                  <a:srgbClr val="C00000"/>
-                </a:solidFill>
-              </a:rPr>
-              <a:t>Expected Value</a:t>
-            </a:r>
-            <a:endParaRPr lang="en-US" dirty="0"/>
-          </a:p>
-        </p:txBody>
-      </p:sp>
-      <mc:AlternateContent xmlns:mc="http://schemas.openxmlformats.org/markup-compatibility/2006" xmlns:a14="http://schemas.microsoft.com/office/drawing/2010/main">
-        <mc:Choice Requires="a14">
-          <p:sp>
-            <p:nvSpPr>
-              <p:cNvPr id="3" name="Content Placeholder 2">
-                <a:extLst>
-                  <a:ext uri="{FF2B5EF4-FFF2-40B4-BE49-F238E27FC236}">
-                    <a16:creationId xmlns:a16="http://schemas.microsoft.com/office/drawing/2014/main" id="{6666941B-6AAA-DFD0-8896-ACB1B4FE2AC6}"/>
-                  </a:ext>
-                </a:extLst>
-              </p:cNvPr>
-              <p:cNvSpPr>
-                <a:spLocks noGrp="1"/>
-              </p:cNvSpPr>
-              <p:nvPr>
-                <p:ph idx="1"/>
-              </p:nvPr>
-            </p:nvSpPr>
-            <p:spPr>
-              <a:xfrm>
-                <a:off x="838200" y="1825625"/>
-                <a:ext cx="10515600" cy="4667250"/>
-              </a:xfrm>
-            </p:spPr>
-            <p:txBody>
-              <a:bodyPr>
-                <a:normAutofit/>
-              </a:bodyPr>
-              <a:lstStyle/>
-              <a:p>
-                <a:r>
-                  <a:rPr lang="en-US" dirty="0"/>
-                  <a:t>Suppose we roll a </a:t>
-                </a:r>
-                <a14:m>
-                  <m:oMath xmlns:m="http://schemas.openxmlformats.org/officeDocument/2006/math">
-                    <m:r>
-                      <a:rPr lang="en-US" b="0" i="1" dirty="0" smtClean="0">
-                        <a:solidFill>
-                          <a:srgbClr val="C00000"/>
-                        </a:solidFill>
-                        <a:latin typeface="Cambria Math" panose="02040503050406030204" pitchFamily="18" charset="0"/>
-                      </a:rPr>
-                      <m:t>6</m:t>
-                    </m:r>
-                  </m:oMath>
-                </a14:m>
-                <a:r>
-                  <a:rPr lang="en-US" dirty="0"/>
-                  <a:t>-sided die</a:t>
-                </a:r>
-              </a:p>
-              <a:p>
-                <a:endParaRPr lang="en-US" dirty="0"/>
-              </a:p>
-              <a:p>
-                <a:r>
-                  <a:rPr lang="en-US" dirty="0"/>
-                  <a:t>Let </a:t>
-                </a:r>
-                <a14:m>
-                  <m:oMath xmlns:m="http://schemas.openxmlformats.org/officeDocument/2006/math">
-                    <m:r>
-                      <a:rPr lang="en-US" b="0" i="1" dirty="0" smtClean="0">
-                        <a:solidFill>
-                          <a:srgbClr val="C00000"/>
-                        </a:solidFill>
-                        <a:latin typeface="Cambria Math" panose="02040503050406030204" pitchFamily="18" charset="0"/>
-                      </a:rPr>
-                      <m:t>𝑋</m:t>
-                    </m:r>
-                  </m:oMath>
-                </a14:m>
-                <a:r>
-                  <a:rPr lang="en-US" dirty="0"/>
-                  <a:t> be the outcome of the roll</a:t>
-                </a:r>
-              </a:p>
-              <a:p>
-                <a:endParaRPr lang="en-US" dirty="0"/>
-              </a:p>
-              <a:p>
-                <a:r>
-                  <a:rPr lang="en-US" dirty="0"/>
-                  <a:t>What is </a:t>
-                </a:r>
-                <a14:m>
-                  <m:oMath xmlns:m="http://schemas.openxmlformats.org/officeDocument/2006/math">
-                    <m:r>
-                      <m:rPr>
-                        <m:sty m:val="p"/>
-                      </m:rPr>
-                      <a:rPr lang="en-US" sz="2800" b="0" i="0" dirty="0" smtClean="0">
-                        <a:solidFill>
-                          <a:srgbClr val="C00000"/>
-                        </a:solidFill>
-                        <a:latin typeface="Cambria Math" panose="02040503050406030204" pitchFamily="18" charset="0"/>
-                      </a:rPr>
-                      <m:t>E</m:t>
-                    </m:r>
-                    <m:d>
-                      <m:dPr>
-                        <m:begChr m:val="["/>
-                        <m:endChr m:val="]"/>
-                        <m:ctrlPr>
-                          <a:rPr lang="en-US" sz="2800" b="0" i="1" dirty="0" smtClean="0">
-                            <a:solidFill>
-                              <a:srgbClr val="C00000"/>
-                            </a:solidFill>
-                            <a:latin typeface="Cambria Math" panose="02040503050406030204" pitchFamily="18" charset="0"/>
-                          </a:rPr>
-                        </m:ctrlPr>
-                      </m:dPr>
-                      <m:e>
-                        <m:r>
-                          <a:rPr lang="en-US" sz="2800" b="0" i="1" dirty="0" smtClean="0">
-                            <a:solidFill>
-                              <a:srgbClr val="C00000"/>
-                            </a:solidFill>
-                            <a:latin typeface="Cambria Math" panose="02040503050406030204" pitchFamily="18" charset="0"/>
-                          </a:rPr>
-                          <m:t>𝑋</m:t>
-                        </m:r>
-                      </m:e>
-                    </m:d>
-                  </m:oMath>
-                </a14:m>
-                <a:r>
-                  <a:rPr lang="en-US" dirty="0"/>
-                  <a:t>?</a:t>
-                </a:r>
-              </a:p>
-            </p:txBody>
-          </p:sp>
-        </mc:Choice>
-        <mc:Fallback xmlns="">
-          <p:sp>
-            <p:nvSpPr>
-              <p:cNvPr id="3" name="Content Placeholder 2">
-                <a:extLst>
-                  <a:ext uri="{FF2B5EF4-FFF2-40B4-BE49-F238E27FC236}">
-                    <a16:creationId xmlns:a16="http://schemas.microsoft.com/office/drawing/2014/main" id="{6666941B-6AAA-DFD0-8896-ACB1B4FE2AC6}"/>
-                  </a:ext>
-                </a:extLst>
-              </p:cNvPr>
-              <p:cNvSpPr>
-                <a:spLocks noGrp="1" noRot="1" noChangeAspect="1" noMove="1" noResize="1" noEditPoints="1" noAdjustHandles="1" noChangeArrowheads="1" noChangeShapeType="1" noTextEdit="1"/>
-              </p:cNvSpPr>
-              <p:nvPr>
-                <p:ph idx="1"/>
-              </p:nvPr>
-            </p:nvSpPr>
-            <p:spPr>
-              <a:xfrm>
-                <a:off x="838200" y="1825625"/>
-                <a:ext cx="10515600" cy="4667250"/>
-              </a:xfrm>
-              <a:blipFill>
-                <a:blip r:embed="rId2"/>
-                <a:stretch>
-                  <a:fillRect l="-1043" t="-2089"/>
-                </a:stretch>
-              </a:blipFill>
-            </p:spPr>
-            <p:txBody>
-              <a:bodyPr/>
-              <a:lstStyle/>
-              <a:p>
-                <a:r>
-                  <a:rPr lang="en-US">
-                    <a:noFill/>
-                  </a:rPr>
-                  <a:t> </a:t>
-                </a:r>
-              </a:p>
-            </p:txBody>
-          </p:sp>
-        </mc:Fallback>
-      </mc:AlternateContent>
-    </p:spTree>
-    <p:extLst>
-      <p:ext uri="{BB962C8B-B14F-4D97-AF65-F5344CB8AC3E}">
-        <p14:creationId xmlns:p14="http://schemas.microsoft.com/office/powerpoint/2010/main" val="3902745057"/>
-      </p:ext>
-    </p:extLst>
-  </p:cSld>
-  <p:clrMapOvr>
-    <a:masterClrMapping/>
-  </p:clrMapOvr>
-</p:sld>
-</file>
-
 <file path=ppt/slides/slide15.xml><?xml version="1.0" encoding="utf-8"?>
 <p:sld xmlns:a="http://schemas.openxmlformats.org/drawingml/2006/main" xmlns:r="http://schemas.openxmlformats.org/officeDocument/2006/relationships" xmlns:p="http://schemas.openxmlformats.org/presentationml/2006/main">
   <p:cSld>
@@ -10443,8 +10435,8 @@
           </a:p>
         </p:txBody>
       </p:sp>
-      <mc:AlternateContent xmlns:mc="http://schemas.openxmlformats.org/markup-compatibility/2006" xmlns:a14="http://schemas.microsoft.com/office/drawing/2010/main">
-        <mc:Choice Requires="a14">
+      <mc:AlternateContent xmlns:mc="http://schemas.openxmlformats.org/markup-compatibility/2006">
+        <mc:Choice xmlns:a14="http://schemas.microsoft.com/office/drawing/2010/main" Requires="a14">
           <p:sp>
             <p:nvSpPr>
               <p:cNvPr id="3" name="Content Placeholder 2">
@@ -10601,13 +10593,25 @@
                 </a14:m>
                 <a:r>
                   <a:rPr lang="en-US" dirty="0"/>
-                  <a:t> times. What is the probability we see a repeated outcome among the rolls? </a:t>
+                  <a:t> times. What is the probability we </a:t>
+                </a:r>
+                <a:r>
+                  <a:rPr lang="en-US" dirty="0">
+                    <a:solidFill>
+                      <a:srgbClr val="FF0000"/>
+                    </a:solidFill>
+                  </a:rPr>
+                  <a:t>DO NOT</a:t>
+                </a:r>
+                <a:r>
+                  <a:rPr lang="en-US" dirty="0"/>
+                  <a:t> see a repeated outcome among the rolls? </a:t>
                 </a:r>
               </a:p>
             </p:txBody>
           </p:sp>
         </mc:Choice>
-        <mc:Fallback xmlns="">
+        <mc:Fallback>
           <p:sp>
             <p:nvSpPr>
               <p:cNvPr id="3" name="Content Placeholder 2">
@@ -10632,7 +10636,7 @@
               <a:blipFill>
                 <a:blip r:embed="rId2"/>
                 <a:stretch>
-                  <a:fillRect l="-1043" t="-2089" r="-870"/>
+                  <a:fillRect l="-1043" t="-2089"/>
                 </a:stretch>
               </a:blipFill>
             </p:spPr>
@@ -12536,8 +12540,8 @@
           </p:sp>
         </mc:Fallback>
       </mc:AlternateContent>
-      <mc:AlternateContent xmlns:mc="http://schemas.openxmlformats.org/markup-compatibility/2006" xmlns:a14="http://schemas.microsoft.com/office/drawing/2010/main">
-        <mc:Choice Requires="a14">
+      <mc:AlternateContent xmlns:mc="http://schemas.openxmlformats.org/markup-compatibility/2006">
+        <mc:Choice xmlns:a14="http://schemas.microsoft.com/office/drawing/2010/main" Requires="a14">
           <p:sp>
             <p:nvSpPr>
               <p:cNvPr id="9" name="TextBox 8">
@@ -12644,6 +12648,15 @@
                               </a:solidFill>
                               <a:latin typeface="Cambria Math" panose="02040503050406030204" pitchFamily="18" charset="0"/>
                             </a:rPr>
+                            <m:t>2</m:t>
+                          </m:r>
+                          <m:r>
+                            <a:rPr lang="en-US" sz="3200" b="0" i="1" dirty="0" smtClean="0">
+                              <a:solidFill>
+                                <a:srgbClr val="C00000"/>
+                              </a:solidFill>
+                              <a:latin typeface="Cambria Math" panose="02040503050406030204" pitchFamily="18" charset="0"/>
+                            </a:rPr>
                             <m:t>𝑛</m:t>
                           </m:r>
                         </m:den>
@@ -12656,7 +12669,7 @@
             </p:txBody>
           </p:sp>
         </mc:Choice>
-        <mc:Fallback xmlns="">
+        <mc:Fallback>
           <p:sp>
             <p:nvSpPr>
               <p:cNvPr id="9" name="TextBox 8">
@@ -12903,6 +12916,15 @@
                       </m:num>
                       <m:den>
                         <m:r>
+                          <a:rPr lang="en-US" b="0" i="1" dirty="0" smtClean="0">
+                            <a:solidFill>
+                              <a:srgbClr val="C00000"/>
+                            </a:solidFill>
+                            <a:latin typeface="Cambria Math" panose="02040503050406030204" pitchFamily="18" charset="0"/>
+                          </a:rPr>
+                          <m:t>2</m:t>
+                        </m:r>
+                        <m:r>
                           <a:rPr lang="en-US" i="1" dirty="0">
                             <a:solidFill>
                               <a:srgbClr val="C00000"/>
@@ -13012,6 +13034,15 @@
                         </m:sSup>
                       </m:num>
                       <m:den>
+                        <m:r>
+                          <a:rPr lang="en-US" b="0" i="1" dirty="0" smtClean="0">
+                            <a:solidFill>
+                              <a:srgbClr val="C00000"/>
+                            </a:solidFill>
+                            <a:latin typeface="Cambria Math" panose="02040503050406030204" pitchFamily="18" charset="0"/>
+                          </a:rPr>
+                          <m:t>2</m:t>
+                        </m:r>
                         <m:r>
                           <a:rPr lang="en-US" b="0" i="1" dirty="0" smtClean="0">
                             <a:solidFill>
@@ -13133,6 +13164,15 @@
                             </a:solidFill>
                             <a:latin typeface="Cambria Math" panose="02040503050406030204" pitchFamily="18" charset="0"/>
                           </a:rPr>
+                          <m:t>2</m:t>
+                        </m:r>
+                        <m:r>
+                          <a:rPr lang="en-US" b="0" i="1" dirty="0" smtClean="0">
+                            <a:solidFill>
+                              <a:srgbClr val="C00000"/>
+                            </a:solidFill>
+                            <a:latin typeface="Cambria Math" panose="02040503050406030204" pitchFamily="18" charset="0"/>
+                          </a:rPr>
                           <m:t>𝑛</m:t>
                         </m:r>
                       </m:den>
@@ -13182,6 +13222,15 @@
                         <a:latin typeface="Cambria Math" panose="02040503050406030204" pitchFamily="18" charset="0"/>
                       </a:rPr>
                       <m:t>=</m:t>
+                    </m:r>
+                    <m:r>
+                      <a:rPr lang="en-US" b="0" i="1" dirty="0" smtClean="0">
+                        <a:solidFill>
+                          <a:srgbClr val="C00000"/>
+                        </a:solidFill>
+                        <a:latin typeface="Cambria Math" panose="02040503050406030204" pitchFamily="18" charset="0"/>
+                      </a:rPr>
+                      <m:t>2</m:t>
                     </m:r>
                     <m:rad>
                       <m:radPr>
@@ -14768,6 +14817,15 @@
                       </m:num>
                       <m:den>
                         <m:r>
+                          <a:rPr lang="en-US" b="0" i="1" dirty="0" smtClean="0">
+                            <a:solidFill>
+                              <a:srgbClr val="C00000"/>
+                            </a:solidFill>
+                            <a:latin typeface="Cambria Math" panose="02040503050406030204" pitchFamily="18" charset="0"/>
+                          </a:rPr>
+                          <m:t>2</m:t>
+                        </m:r>
+                        <m:r>
                           <a:rPr lang="en-US" i="1" dirty="0">
                             <a:solidFill>
                               <a:srgbClr val="C00000"/>
@@ -15293,6 +15351,15 @@
                       </m:num>
                       <m:den>
                         <m:r>
+                          <a:rPr lang="en-US" b="0" i="1" dirty="0" smtClean="0">
+                            <a:solidFill>
+                              <a:srgbClr val="C00000"/>
+                            </a:solidFill>
+                            <a:latin typeface="Cambria Math" panose="02040503050406030204" pitchFamily="18" charset="0"/>
+                          </a:rPr>
+                          <m:t>2</m:t>
+                        </m:r>
+                        <m:r>
                           <a:rPr lang="en-US" i="1" dirty="0">
                             <a:solidFill>
                               <a:srgbClr val="C00000"/>
@@ -15794,8 +15861,8 @@
           </a:p>
         </p:txBody>
       </p:sp>
-      <mc:AlternateContent xmlns:mc="http://schemas.openxmlformats.org/markup-compatibility/2006">
-        <mc:Choice xmlns:a14="http://schemas.microsoft.com/office/drawing/2010/main" Requires="a14">
+      <mc:AlternateContent xmlns:mc="http://schemas.openxmlformats.org/markup-compatibility/2006" xmlns:a14="http://schemas.microsoft.com/office/drawing/2010/main">
+        <mc:Choice Requires="a14">
           <p:sp>
             <p:nvSpPr>
               <p:cNvPr id="3" name="Content Placeholder 2">
@@ -15896,7 +15963,7 @@
             </p:txBody>
           </p:sp>
         </mc:Choice>
-        <mc:Fallback>
+        <mc:Fallback xmlns="">
           <p:sp>
             <p:nvSpPr>
               <p:cNvPr id="3" name="Content Placeholder 2">
@@ -15940,8 +16007,8 @@
           </p:sp>
         </mc:Fallback>
       </mc:AlternateContent>
-      <mc:AlternateContent xmlns:mc="http://schemas.openxmlformats.org/markup-compatibility/2006">
-        <mc:Choice xmlns:a14="http://schemas.microsoft.com/office/drawing/2010/main" Requires="a14">
+      <mc:AlternateContent xmlns:mc="http://schemas.openxmlformats.org/markup-compatibility/2006" xmlns:a14="http://schemas.microsoft.com/office/drawing/2010/main">
+        <mc:Choice Requires="a14">
           <p:sp>
             <p:nvSpPr>
               <p:cNvPr id="5" name="TextBox 4">
@@ -16128,7 +16195,7 @@
             </p:txBody>
           </p:sp>
         </mc:Choice>
-        <mc:Fallback>
+        <mc:Fallback xmlns="">
           <p:sp>
             <p:nvSpPr>
               <p:cNvPr id="5" name="TextBox 4">
@@ -16236,8 +16303,8 @@
           </a:p>
         </p:txBody>
       </p:sp>
-      <mc:AlternateContent xmlns:mc="http://schemas.openxmlformats.org/markup-compatibility/2006">
-        <mc:Choice xmlns:a14="http://schemas.microsoft.com/office/drawing/2010/main" Requires="a14">
+      <mc:AlternateContent xmlns:mc="http://schemas.openxmlformats.org/markup-compatibility/2006" xmlns:a14="http://schemas.microsoft.com/office/drawing/2010/main">
+        <mc:Choice Requires="a14">
           <p:sp>
             <p:nvSpPr>
               <p:cNvPr id="3" name="Content Placeholder 2">
@@ -16329,7 +16396,7 @@
             </p:txBody>
           </p:sp>
         </mc:Choice>
-        <mc:Fallback>
+        <mc:Fallback xmlns="">
           <p:sp>
             <p:nvSpPr>
               <p:cNvPr id="3" name="Content Placeholder 2">
@@ -18007,8 +18074,8 @@
           </a:p>
         </p:txBody>
       </p:sp>
-      <mc:AlternateContent xmlns:mc="http://schemas.openxmlformats.org/markup-compatibility/2006" xmlns:a14="http://schemas.microsoft.com/office/drawing/2010/main">
-        <mc:Choice Requires="a14">
+      <mc:AlternateContent xmlns:mc="http://schemas.openxmlformats.org/markup-compatibility/2006">
+        <mc:Choice xmlns:a14="http://schemas.microsoft.com/office/drawing/2010/main" Requires="a14">
           <p:sp>
             <p:nvSpPr>
               <p:cNvPr id="3" name="Content Placeholder 2">
@@ -18165,13 +18232,25 @@
                 </a14:m>
                 <a:r>
                   <a:rPr lang="en-US" dirty="0"/>
-                  <a:t> times. What is the probability we see a repeated outcome among the rolls? </a:t>
+                  <a:t> times. What is the probability we </a:t>
+                </a:r>
+                <a:r>
+                  <a:rPr lang="en-US" dirty="0">
+                    <a:solidFill>
+                      <a:srgbClr val="FF0000"/>
+                    </a:solidFill>
+                  </a:rPr>
+                  <a:t>DO NOT </a:t>
+                </a:r>
+                <a:r>
+                  <a:rPr lang="en-US" dirty="0"/>
+                  <a:t>see a repeated outcome among the rolls? </a:t>
                 </a:r>
               </a:p>
             </p:txBody>
           </p:sp>
         </mc:Choice>
-        <mc:Fallback xmlns="">
+        <mc:Fallback>
           <p:sp>
             <p:nvSpPr>
               <p:cNvPr id="3" name="Content Placeholder 2">
@@ -18196,7 +18275,7 @@
               <a:blipFill>
                 <a:blip r:embed="rId2"/>
                 <a:stretch>
-                  <a:fillRect l="-1043" t="-2089" r="-870"/>
+                  <a:fillRect l="-1043" t="-2089"/>
                 </a:stretch>
               </a:blipFill>
             </p:spPr>
@@ -19204,6 +19283,15 @@
                       </m:num>
                       <m:den>
                         <m:r>
+                          <a:rPr lang="en-US" b="0" i="1" dirty="0" smtClean="0">
+                            <a:solidFill>
+                              <a:srgbClr val="C00000"/>
+                            </a:solidFill>
+                            <a:latin typeface="Cambria Math" panose="02040503050406030204" pitchFamily="18" charset="0"/>
+                          </a:rPr>
+                          <m:t>2</m:t>
+                        </m:r>
+                        <m:r>
                           <a:rPr lang="en-US" i="1" dirty="0">
                             <a:solidFill>
                               <a:srgbClr val="C00000"/>
@@ -19313,6 +19401,15 @@
                         </m:sSup>
                       </m:num>
                       <m:den>
+                        <m:r>
+                          <a:rPr lang="en-US" b="0" i="1" dirty="0" smtClean="0">
+                            <a:solidFill>
+                              <a:srgbClr val="C00000"/>
+                            </a:solidFill>
+                            <a:latin typeface="Cambria Math" panose="02040503050406030204" pitchFamily="18" charset="0"/>
+                          </a:rPr>
+                          <m:t>2</m:t>
+                        </m:r>
                         <m:r>
                           <a:rPr lang="en-US" b="0" i="1" dirty="0" smtClean="0">
                             <a:solidFill>
@@ -19434,6 +19531,15 @@
                             </a:solidFill>
                             <a:latin typeface="Cambria Math" panose="02040503050406030204" pitchFamily="18" charset="0"/>
                           </a:rPr>
+                          <m:t>2</m:t>
+                        </m:r>
+                        <m:r>
+                          <a:rPr lang="en-US" b="0" i="1" dirty="0" smtClean="0">
+                            <a:solidFill>
+                              <a:srgbClr val="C00000"/>
+                            </a:solidFill>
+                            <a:latin typeface="Cambria Math" panose="02040503050406030204" pitchFamily="18" charset="0"/>
+                          </a:rPr>
                           <m:t>𝑛</m:t>
                         </m:r>
                       </m:den>
@@ -19483,6 +19589,15 @@
                         <a:latin typeface="Cambria Math" panose="02040503050406030204" pitchFamily="18" charset="0"/>
                       </a:rPr>
                       <m:t>=</m:t>
+                    </m:r>
+                    <m:r>
+                      <a:rPr lang="en-US" b="0" i="1" dirty="0" smtClean="0">
+                        <a:solidFill>
+                          <a:srgbClr val="C00000"/>
+                        </a:solidFill>
+                        <a:latin typeface="Cambria Math" panose="02040503050406030204" pitchFamily="18" charset="0"/>
+                      </a:rPr>
+                      <m:t>2</m:t>
                     </m:r>
                     <m:rad>
                       <m:radPr>
@@ -19918,8 +20033,8 @@
           </a:p>
         </p:txBody>
       </p:sp>
-      <mc:AlternateContent xmlns:mc="http://schemas.openxmlformats.org/markup-compatibility/2006" xmlns:a14="http://schemas.microsoft.com/office/drawing/2010/main">
-        <mc:Choice Requires="a14">
+      <mc:AlternateContent xmlns:mc="http://schemas.openxmlformats.org/markup-compatibility/2006">
+        <mc:Choice xmlns:a14="http://schemas.microsoft.com/office/drawing/2010/main" Requires="a14">
           <p:sp>
             <p:nvSpPr>
               <p:cNvPr id="3" name="Content Placeholder 2">
@@ -20057,6 +20172,15 @@
                       </m:num>
                       <m:den>
                         <m:r>
+                          <a:rPr lang="en-US" b="0" i="1" dirty="0" smtClean="0">
+                            <a:solidFill>
+                              <a:srgbClr val="C00000"/>
+                            </a:solidFill>
+                            <a:latin typeface="Cambria Math" panose="02040503050406030204" pitchFamily="18" charset="0"/>
+                          </a:rPr>
+                          <m:t>2</m:t>
+                        </m:r>
+                        <m:r>
                           <a:rPr lang="en-US" i="1" dirty="0">
                             <a:solidFill>
                               <a:srgbClr val="C00000"/>
@@ -20166,6 +20290,15 @@
                         </m:sSup>
                       </m:num>
                       <m:den>
+                        <m:r>
+                          <a:rPr lang="en-US" b="0" i="1" dirty="0" smtClean="0">
+                            <a:solidFill>
+                              <a:srgbClr val="C00000"/>
+                            </a:solidFill>
+                            <a:latin typeface="Cambria Math" panose="02040503050406030204" pitchFamily="18" charset="0"/>
+                          </a:rPr>
+                          <m:t>2</m:t>
+                        </m:r>
                         <m:r>
                           <a:rPr lang="en-US" b="0" i="1" dirty="0" smtClean="0">
                             <a:solidFill>
@@ -20287,6 +20420,15 @@
                             </a:solidFill>
                             <a:latin typeface="Cambria Math" panose="02040503050406030204" pitchFamily="18" charset="0"/>
                           </a:rPr>
+                          <m:t>2</m:t>
+                        </m:r>
+                        <m:r>
+                          <a:rPr lang="en-US" b="0" i="1" dirty="0" smtClean="0">
+                            <a:solidFill>
+                              <a:srgbClr val="C00000"/>
+                            </a:solidFill>
+                            <a:latin typeface="Cambria Math" panose="02040503050406030204" pitchFamily="18" charset="0"/>
+                          </a:rPr>
                           <m:t>𝑛</m:t>
                         </m:r>
                       </m:den>
@@ -20336,6 +20478,15 @@
                         <a:latin typeface="Cambria Math" panose="02040503050406030204" pitchFamily="18" charset="0"/>
                       </a:rPr>
                       <m:t>=</m:t>
+                    </m:r>
+                    <m:r>
+                      <a:rPr lang="en-US" b="0" i="1" dirty="0" smtClean="0">
+                        <a:solidFill>
+                          <a:srgbClr val="C00000"/>
+                        </a:solidFill>
+                        <a:latin typeface="Cambria Math" panose="02040503050406030204" pitchFamily="18" charset="0"/>
+                      </a:rPr>
+                      <m:t>2</m:t>
                     </m:r>
                     <m:rad>
                       <m:radPr>
@@ -20645,10 +20796,14 @@
                 </a14:m>
                 <a:r>
                   <a:rPr lang="en-US" b="0" dirty="0"/>
-                  <a:t>,</a:t>
+                  <a:t>, </a:t>
                 </a:r>
                 <a:r>
-                  <a:rPr lang="en-US" b="0" dirty="0">
+                  <a:rPr lang="en-US" dirty="0"/>
+                  <a:t>and by Markov’s inequality,</a:t>
+                </a:r>
+                <a:r>
+                  <a:rPr lang="en-US" dirty="0">
                     <a:solidFill>
                       <a:srgbClr val="C00000"/>
                     </a:solidFill>
@@ -20760,14 +20915,11 @@
                     </m:f>
                   </m:oMath>
                 </a14:m>
-                <a:r>
-                  <a:rPr lang="en-US" dirty="0">
-                    <a:solidFill>
-                      <a:srgbClr val="C00000"/>
-                    </a:solidFill>
-                  </a:rPr>
-                  <a:t>, </a:t>
-                </a:r>
+                <a:endParaRPr lang="en-US" dirty="0">
+                  <a:solidFill>
+                    <a:srgbClr val="C00000"/>
+                  </a:solidFill>
+                </a:endParaRPr>
               </a:p>
               <a:p>
                 <a:pPr>
@@ -20796,7 +20948,7 @@
             </p:txBody>
           </p:sp>
         </mc:Choice>
-        <mc:Fallback xmlns="">
+        <mc:Fallback>
           <p:sp>
             <p:nvSpPr>
               <p:cNvPr id="3" name="Content Placeholder 2">
@@ -21287,6 +21439,15 @@
                         </m:d>
                       </m:num>
                       <m:den>
+                        <m:r>
+                          <a:rPr lang="en-US" b="0" i="1" dirty="0" smtClean="0">
+                            <a:solidFill>
+                              <a:srgbClr val="C00000"/>
+                            </a:solidFill>
+                            <a:latin typeface="Cambria Math" panose="02040503050406030204" pitchFamily="18" charset="0"/>
+                          </a:rPr>
+                          <m:t>2</m:t>
+                        </m:r>
                         <m:r>
                           <a:rPr lang="en-US" i="1" dirty="0">
                             <a:solidFill>
@@ -22330,6 +22491,15 @@
                       </m:num>
                       <m:den>
                         <m:r>
+                          <a:rPr lang="en-US" b="0" i="1" dirty="0" smtClean="0">
+                            <a:solidFill>
+                              <a:srgbClr val="C00000"/>
+                            </a:solidFill>
+                            <a:latin typeface="Cambria Math" panose="02040503050406030204" pitchFamily="18" charset="0"/>
+                          </a:rPr>
+                          <m:t>2</m:t>
+                        </m:r>
+                        <m:r>
                           <a:rPr lang="en-US" i="1" dirty="0">
                             <a:solidFill>
                               <a:srgbClr val="C00000"/>
@@ -22538,3969 +22708,6 @@
     <p:extLst>
       <p:ext uri="{BB962C8B-B14F-4D97-AF65-F5344CB8AC3E}">
         <p14:creationId xmlns:p14="http://schemas.microsoft.com/office/powerpoint/2010/main" val="873462533"/>
-      </p:ext>
-    </p:extLst>
-  </p:cSld>
-  <p:clrMapOvr>
-    <a:masterClrMapping/>
-  </p:clrMapOvr>
-</p:sld>
-</file>
-
-<file path=ppt/slides/slide31.xml><?xml version="1.0" encoding="utf-8"?>
-<p:sld xmlns:a="http://schemas.openxmlformats.org/drawingml/2006/main" xmlns:r="http://schemas.openxmlformats.org/officeDocument/2006/relationships" xmlns:p="http://schemas.openxmlformats.org/presentationml/2006/main">
-  <p:cSld>
-    <p:spTree>
-      <p:nvGrpSpPr>
-        <p:cNvPr id="1" name=""/>
-        <p:cNvGrpSpPr/>
-        <p:nvPr/>
-      </p:nvGrpSpPr>
-      <p:grpSpPr>
-        <a:xfrm>
-          <a:off x="0" y="0"/>
-          <a:ext cx="0" cy="0"/>
-          <a:chOff x="0" y="0"/>
-          <a:chExt cx="0" cy="0"/>
-        </a:xfrm>
-      </p:grpSpPr>
-      <p:sp>
-        <p:nvSpPr>
-          <p:cNvPr id="2" name="Title 1">
-            <a:extLst>
-              <a:ext uri="{FF2B5EF4-FFF2-40B4-BE49-F238E27FC236}">
-                <a16:creationId xmlns:a16="http://schemas.microsoft.com/office/drawing/2014/main" id="{E4449558-8CBC-D30A-02F3-65EA383A4C4F}"/>
-              </a:ext>
-            </a:extLst>
-          </p:cNvPr>
-          <p:cNvSpPr>
-            <a:spLocks noGrp="1"/>
-          </p:cNvSpPr>
-          <p:nvPr>
-            <p:ph type="ctrTitle"/>
-          </p:nvPr>
-        </p:nvSpPr>
-        <p:spPr/>
-        <p:txBody>
-          <a:bodyPr>
-            <a:normAutofit fontScale="90000"/>
-          </a:bodyPr>
-          <a:lstStyle/>
-          <a:p>
-            <a:r>
-              <a:rPr lang="en-US" dirty="0">
-                <a:solidFill>
-                  <a:srgbClr val="C00000"/>
-                </a:solidFill>
-              </a:rPr>
-              <a:t>CSCE 689: Special Topics in Modern Algorithms for Data Science </a:t>
-            </a:r>
-          </a:p>
-        </p:txBody>
-      </p:sp>
-      <p:sp>
-        <p:nvSpPr>
-          <p:cNvPr id="3" name="Subtitle 2">
-            <a:extLst>
-              <a:ext uri="{FF2B5EF4-FFF2-40B4-BE49-F238E27FC236}">
-                <a16:creationId xmlns:a16="http://schemas.microsoft.com/office/drawing/2014/main" id="{89802CB3-FC8E-C393-0D77-33E8A17F6B16}"/>
-              </a:ext>
-            </a:extLst>
-          </p:cNvPr>
-          <p:cNvSpPr>
-            <a:spLocks noGrp="1"/>
-          </p:cNvSpPr>
-          <p:nvPr>
-            <p:ph type="subTitle" idx="1"/>
-          </p:nvPr>
-        </p:nvSpPr>
-        <p:spPr>
-          <a:xfrm>
-            <a:off x="1524000" y="3602037"/>
-            <a:ext cx="9144000" cy="2789797"/>
-          </a:xfrm>
-        </p:spPr>
-        <p:txBody>
-          <a:bodyPr>
-            <a:normAutofit/>
-          </a:bodyPr>
-          <a:lstStyle/>
-          <a:p>
-            <a:r>
-              <a:rPr lang="en-US" sz="3600" dirty="0"/>
-              <a:t>Lecture 4</a:t>
-            </a:r>
-          </a:p>
-          <a:p>
-            <a:endParaRPr lang="en-US" sz="3600" dirty="0"/>
-          </a:p>
-          <a:p>
-            <a:r>
-              <a:rPr lang="en-US" sz="2800" dirty="0"/>
-              <a:t>Samson Zhou</a:t>
-            </a:r>
-          </a:p>
-        </p:txBody>
-      </p:sp>
-    </p:spTree>
-    <p:extLst>
-      <p:ext uri="{BB962C8B-B14F-4D97-AF65-F5344CB8AC3E}">
-        <p14:creationId xmlns:p14="http://schemas.microsoft.com/office/powerpoint/2010/main" val="2042054018"/>
-      </p:ext>
-    </p:extLst>
-  </p:cSld>
-  <p:clrMapOvr>
-    <a:masterClrMapping/>
-  </p:clrMapOvr>
-</p:sld>
-</file>
-
-<file path=ppt/slides/slide32.xml><?xml version="1.0" encoding="utf-8"?>
-<p:sld xmlns:a="http://schemas.openxmlformats.org/drawingml/2006/main" xmlns:r="http://schemas.openxmlformats.org/officeDocument/2006/relationships" xmlns:p="http://schemas.openxmlformats.org/presentationml/2006/main">
-  <p:cSld>
-    <p:spTree>
-      <p:nvGrpSpPr>
-        <p:cNvPr id="1" name=""/>
-        <p:cNvGrpSpPr/>
-        <p:nvPr/>
-      </p:nvGrpSpPr>
-      <p:grpSpPr>
-        <a:xfrm>
-          <a:off x="0" y="0"/>
-          <a:ext cx="0" cy="0"/>
-          <a:chOff x="0" y="0"/>
-          <a:chExt cx="0" cy="0"/>
-        </a:xfrm>
-      </p:grpSpPr>
-      <p:sp>
-        <p:nvSpPr>
-          <p:cNvPr id="2" name="Title 1">
-            <a:extLst>
-              <a:ext uri="{FF2B5EF4-FFF2-40B4-BE49-F238E27FC236}">
-                <a16:creationId xmlns:a16="http://schemas.microsoft.com/office/drawing/2014/main" id="{FCA5AC62-A5FD-2A5B-018F-859A378AA1D4}"/>
-              </a:ext>
-            </a:extLst>
-          </p:cNvPr>
-          <p:cNvSpPr>
-            <a:spLocks noGrp="1"/>
-          </p:cNvSpPr>
-          <p:nvPr>
-            <p:ph type="title"/>
-          </p:nvPr>
-        </p:nvSpPr>
-        <p:spPr/>
-        <p:txBody>
-          <a:bodyPr/>
-          <a:lstStyle/>
-          <a:p>
-            <a:r>
-              <a:rPr lang="en-US" dirty="0">
-                <a:solidFill>
-                  <a:srgbClr val="C00000"/>
-                </a:solidFill>
-              </a:rPr>
-              <a:t>Trivia Question #3 (Max Load)</a:t>
-            </a:r>
-          </a:p>
-        </p:txBody>
-      </p:sp>
-      <mc:AlternateContent xmlns:mc="http://schemas.openxmlformats.org/markup-compatibility/2006" xmlns:a14="http://schemas.microsoft.com/office/drawing/2010/main">
-        <mc:Choice Requires="a14">
-          <p:sp>
-            <p:nvSpPr>
-              <p:cNvPr id="3" name="Content Placeholder 2">
-                <a:extLst>
-                  <a:ext uri="{FF2B5EF4-FFF2-40B4-BE49-F238E27FC236}">
-                    <a16:creationId xmlns:a16="http://schemas.microsoft.com/office/drawing/2014/main" id="{76F2126B-4AA6-302B-7E5A-170FFAAB8BD1}"/>
-                  </a:ext>
-                </a:extLst>
-              </p:cNvPr>
-              <p:cNvSpPr>
-                <a:spLocks noGrp="1"/>
-              </p:cNvSpPr>
-              <p:nvPr>
-                <p:ph idx="1"/>
-              </p:nvPr>
-            </p:nvSpPr>
-            <p:spPr/>
-            <p:txBody>
-              <a:bodyPr/>
-              <a:lstStyle/>
-              <a:p>
-                <a:pPr>
-                  <a:buClr>
-                    <a:schemeClr val="tx1"/>
-                  </a:buClr>
-                </a:pPr>
-                <a:r>
-                  <a:rPr lang="en-US" dirty="0"/>
-                  <a:t>Suppose we have a fair </a:t>
-                </a:r>
-                <a14:m>
-                  <m:oMath xmlns:m="http://schemas.openxmlformats.org/officeDocument/2006/math">
-                    <m:r>
-                      <a:rPr lang="en-US" b="0" i="1" dirty="0" smtClean="0">
-                        <a:solidFill>
-                          <a:srgbClr val="C00000"/>
-                        </a:solidFill>
-                        <a:latin typeface="Cambria Math" panose="02040503050406030204" pitchFamily="18" charset="0"/>
-                      </a:rPr>
-                      <m:t>𝑛</m:t>
-                    </m:r>
-                  </m:oMath>
-                </a14:m>
-                <a:r>
-                  <a:rPr lang="en-US" dirty="0"/>
-                  <a:t>-sided die that we roll </a:t>
-                </a:r>
-                <a14:m>
-                  <m:oMath xmlns:m="http://schemas.openxmlformats.org/officeDocument/2006/math">
-                    <m:r>
-                      <a:rPr lang="en-US" i="1" dirty="0">
-                        <a:solidFill>
-                          <a:srgbClr val="C00000"/>
-                        </a:solidFill>
-                        <a:latin typeface="Cambria Math" panose="02040503050406030204" pitchFamily="18" charset="0"/>
-                      </a:rPr>
-                      <m:t>𝑛</m:t>
-                    </m:r>
-                  </m:oMath>
-                </a14:m>
-                <a:r>
-                  <a:rPr lang="en-US" dirty="0"/>
-                  <a:t> times. “On average”, what is the largest number of times any outcome is rolled? Example: </a:t>
-                </a:r>
-                <a14:m>
-                  <m:oMath xmlns:m="http://schemas.openxmlformats.org/officeDocument/2006/math">
-                    <m:r>
-                      <a:rPr lang="en-US" b="0" i="1" dirty="0" smtClean="0">
-                        <a:solidFill>
-                          <a:srgbClr val="0070C0"/>
-                        </a:solidFill>
-                        <a:latin typeface="Cambria Math" panose="02040503050406030204" pitchFamily="18" charset="0"/>
-                      </a:rPr>
-                      <m:t>1</m:t>
-                    </m:r>
-                  </m:oMath>
-                </a14:m>
-                <a:r>
-                  <a:rPr lang="en-US" dirty="0"/>
-                  <a:t>, </a:t>
-                </a:r>
-                <a14:m>
-                  <m:oMath xmlns:m="http://schemas.openxmlformats.org/officeDocument/2006/math">
-                    <m:r>
-                      <a:rPr lang="en-US" b="0" i="1" dirty="0" smtClean="0">
-                        <a:solidFill>
-                          <a:srgbClr val="C00000"/>
-                        </a:solidFill>
-                        <a:latin typeface="Cambria Math" panose="02040503050406030204" pitchFamily="18" charset="0"/>
-                      </a:rPr>
-                      <m:t>5</m:t>
-                    </m:r>
-                  </m:oMath>
-                </a14:m>
-                <a:r>
-                  <a:rPr lang="en-US" dirty="0"/>
-                  <a:t>, </a:t>
-                </a:r>
-                <a14:m>
-                  <m:oMath xmlns:m="http://schemas.openxmlformats.org/officeDocument/2006/math">
-                    <m:r>
-                      <a:rPr lang="en-US" b="0" i="1" dirty="0" smtClean="0">
-                        <a:solidFill>
-                          <a:srgbClr val="C00000"/>
-                        </a:solidFill>
-                        <a:latin typeface="Cambria Math" panose="02040503050406030204" pitchFamily="18" charset="0"/>
-                      </a:rPr>
-                      <m:t>2</m:t>
-                    </m:r>
-                  </m:oMath>
-                </a14:m>
-                <a:r>
-                  <a:rPr lang="en-US" dirty="0"/>
-                  <a:t>, </a:t>
-                </a:r>
-                <a14:m>
-                  <m:oMath xmlns:m="http://schemas.openxmlformats.org/officeDocument/2006/math">
-                    <m:r>
-                      <a:rPr lang="en-US" b="0" i="1" dirty="0" smtClean="0">
-                        <a:solidFill>
-                          <a:srgbClr val="C00000"/>
-                        </a:solidFill>
-                        <a:latin typeface="Cambria Math" panose="02040503050406030204" pitchFamily="18" charset="0"/>
-                      </a:rPr>
-                      <m:t>4</m:t>
-                    </m:r>
-                  </m:oMath>
-                </a14:m>
-                <a:r>
-                  <a:rPr lang="en-US" dirty="0"/>
-                  <a:t>,</a:t>
-                </a:r>
-                <a:r>
-                  <a:rPr lang="en-US" dirty="0">
-                    <a:solidFill>
-                      <a:srgbClr val="C00000"/>
-                    </a:solidFill>
-                  </a:rPr>
-                  <a:t> </a:t>
-                </a:r>
-                <a14:m>
-                  <m:oMath xmlns:m="http://schemas.openxmlformats.org/officeDocument/2006/math">
-                    <m:r>
-                      <a:rPr lang="en-US" b="0" i="1" smtClean="0">
-                        <a:solidFill>
-                          <a:srgbClr val="0070C0"/>
-                        </a:solidFill>
-                        <a:latin typeface="Cambria Math" panose="02040503050406030204" pitchFamily="18" charset="0"/>
-                      </a:rPr>
-                      <m:t>1</m:t>
-                    </m:r>
-                  </m:oMath>
-                </a14:m>
-                <a:r>
-                  <a:rPr lang="en-US" dirty="0"/>
-                  <a:t>, </a:t>
-                </a:r>
-                <a14:m>
-                  <m:oMath xmlns:m="http://schemas.openxmlformats.org/officeDocument/2006/math">
-                    <m:r>
-                      <a:rPr lang="en-US" b="0" i="1" dirty="0" smtClean="0">
-                        <a:solidFill>
-                          <a:srgbClr val="C00000"/>
-                        </a:solidFill>
-                        <a:latin typeface="Cambria Math" panose="02040503050406030204" pitchFamily="18" charset="0"/>
-                      </a:rPr>
-                      <m:t>3</m:t>
-                    </m:r>
-                  </m:oMath>
-                </a14:m>
-                <a:r>
-                  <a:rPr lang="en-US" dirty="0"/>
-                  <a:t>, </a:t>
-                </a:r>
-                <a14:m>
-                  <m:oMath xmlns:m="http://schemas.openxmlformats.org/officeDocument/2006/math">
-                    <m:r>
-                      <a:rPr lang="en-US" b="0" i="1" dirty="0" smtClean="0">
-                        <a:solidFill>
-                          <a:srgbClr val="0070C0"/>
-                        </a:solidFill>
-                        <a:latin typeface="Cambria Math" panose="02040503050406030204" pitchFamily="18" charset="0"/>
-                      </a:rPr>
-                      <m:t>1</m:t>
-                    </m:r>
-                  </m:oMath>
-                </a14:m>
-                <a:r>
-                  <a:rPr lang="en-US" dirty="0">
-                    <a:solidFill>
-                      <a:srgbClr val="C00000"/>
-                    </a:solidFill>
-                  </a:rPr>
-                  <a:t> </a:t>
-                </a:r>
-                <a:r>
-                  <a:rPr lang="en-US" dirty="0"/>
-                  <a:t>for</a:t>
-                </a:r>
-                <a:r>
-                  <a:rPr lang="en-US" dirty="0">
-                    <a:solidFill>
-                      <a:srgbClr val="C00000"/>
-                    </a:solidFill>
-                  </a:rPr>
-                  <a:t> </a:t>
-                </a:r>
-                <a14:m>
-                  <m:oMath xmlns:m="http://schemas.openxmlformats.org/officeDocument/2006/math">
-                    <m:r>
-                      <a:rPr lang="en-US" i="1" dirty="0">
-                        <a:solidFill>
-                          <a:srgbClr val="C00000"/>
-                        </a:solidFill>
-                        <a:latin typeface="Cambria Math" panose="02040503050406030204" pitchFamily="18" charset="0"/>
-                      </a:rPr>
-                      <m:t>𝑛</m:t>
-                    </m:r>
-                    <m:r>
-                      <a:rPr lang="en-US" b="0" i="0" dirty="0" smtClean="0">
-                        <a:solidFill>
-                          <a:srgbClr val="C00000"/>
-                        </a:solidFill>
-                        <a:latin typeface="Cambria Math" panose="02040503050406030204" pitchFamily="18" charset="0"/>
-                      </a:rPr>
-                      <m:t>=7</m:t>
-                    </m:r>
-                  </m:oMath>
-                </a14:m>
-                <a:endParaRPr lang="en-US" dirty="0">
-                  <a:solidFill>
-                    <a:srgbClr val="C00000"/>
-                  </a:solidFill>
-                </a:endParaRPr>
-              </a:p>
-              <a:p>
-                <a:pPr>
-                  <a:buClr>
-                    <a:schemeClr val="tx1"/>
-                  </a:buClr>
-                </a:pPr>
-                <a:endParaRPr lang="en-US" dirty="0"/>
-              </a:p>
-              <a:p>
-                <a:pPr>
-                  <a:buClr>
-                    <a:schemeClr val="tx1"/>
-                  </a:buClr>
-                </a:pPr>
-                <a14:m>
-                  <m:oMath xmlns:m="http://schemas.openxmlformats.org/officeDocument/2006/math">
-                    <m:r>
-                      <m:rPr>
-                        <m:sty m:val="p"/>
-                      </m:rPr>
-                      <a:rPr lang="en-US" dirty="0">
-                        <a:solidFill>
-                          <a:srgbClr val="C00000"/>
-                        </a:solidFill>
-                        <a:latin typeface="Cambria Math" panose="02040503050406030204" pitchFamily="18" charset="0"/>
-                      </a:rPr>
-                      <m:t>Θ</m:t>
-                    </m:r>
-                    <m:r>
-                      <a:rPr lang="en-US" i="1" dirty="0">
-                        <a:solidFill>
-                          <a:srgbClr val="C00000"/>
-                        </a:solidFill>
-                        <a:latin typeface="Cambria Math" panose="02040503050406030204" pitchFamily="18" charset="0"/>
-                      </a:rPr>
-                      <m:t>(1)</m:t>
-                    </m:r>
-                  </m:oMath>
-                </a14:m>
-                <a:endParaRPr lang="en-US" dirty="0"/>
-              </a:p>
-              <a:p>
-                <a:pPr>
-                  <a:buClr>
-                    <a:schemeClr val="tx1"/>
-                  </a:buClr>
-                </a:pPr>
-                <a14:m>
-                  <m:oMath xmlns:m="http://schemas.openxmlformats.org/officeDocument/2006/math">
-                    <m:acc>
-                      <m:accPr>
-                        <m:chr m:val="̃"/>
-                        <m:ctrlPr>
-                          <a:rPr lang="en-US" b="0" i="1" dirty="0" smtClean="0">
-                            <a:solidFill>
-                              <a:srgbClr val="C00000"/>
-                            </a:solidFill>
-                            <a:latin typeface="Cambria Math" panose="02040503050406030204" pitchFamily="18" charset="0"/>
-                          </a:rPr>
-                        </m:ctrlPr>
-                      </m:accPr>
-                      <m:e>
-                        <m:r>
-                          <m:rPr>
-                            <m:sty m:val="p"/>
-                          </m:rPr>
-                          <a:rPr lang="en-US" dirty="0">
-                            <a:solidFill>
-                              <a:srgbClr val="C00000"/>
-                            </a:solidFill>
-                            <a:latin typeface="Cambria Math" panose="02040503050406030204" pitchFamily="18" charset="0"/>
-                          </a:rPr>
-                          <m:t>Θ</m:t>
-                        </m:r>
-                      </m:e>
-                    </m:acc>
-                    <m:r>
-                      <a:rPr lang="en-US" i="1" dirty="0">
-                        <a:solidFill>
-                          <a:srgbClr val="C00000"/>
-                        </a:solidFill>
-                        <a:latin typeface="Cambria Math" panose="02040503050406030204" pitchFamily="18" charset="0"/>
-                      </a:rPr>
-                      <m:t>(</m:t>
-                    </m:r>
-                    <m:func>
-                      <m:funcPr>
-                        <m:ctrlPr>
-                          <a:rPr lang="en-US" i="1" dirty="0">
-                            <a:solidFill>
-                              <a:srgbClr val="C00000"/>
-                            </a:solidFill>
-                            <a:latin typeface="Cambria Math" panose="02040503050406030204" pitchFamily="18" charset="0"/>
-                          </a:rPr>
-                        </m:ctrlPr>
-                      </m:funcPr>
-                      <m:fName>
-                        <m:r>
-                          <m:rPr>
-                            <m:sty m:val="p"/>
-                          </m:rPr>
-                          <a:rPr lang="en-US" dirty="0">
-                            <a:solidFill>
-                              <a:srgbClr val="C00000"/>
-                            </a:solidFill>
-                            <a:latin typeface="Cambria Math" panose="02040503050406030204" pitchFamily="18" charset="0"/>
-                          </a:rPr>
-                          <m:t>log</m:t>
-                        </m:r>
-                      </m:fName>
-                      <m:e>
-                        <m:r>
-                          <a:rPr lang="en-US" i="1" dirty="0">
-                            <a:solidFill>
-                              <a:srgbClr val="C00000"/>
-                            </a:solidFill>
-                            <a:latin typeface="Cambria Math" panose="02040503050406030204" pitchFamily="18" charset="0"/>
-                          </a:rPr>
-                          <m:t>𝑛</m:t>
-                        </m:r>
-                      </m:e>
-                    </m:func>
-                    <m:r>
-                      <a:rPr lang="en-US" i="1" dirty="0">
-                        <a:solidFill>
-                          <a:srgbClr val="C00000"/>
-                        </a:solidFill>
-                        <a:latin typeface="Cambria Math" panose="02040503050406030204" pitchFamily="18" charset="0"/>
-                      </a:rPr>
-                      <m:t>)</m:t>
-                    </m:r>
-                  </m:oMath>
-                </a14:m>
-                <a:endParaRPr lang="en-US" i="1" dirty="0">
-                  <a:solidFill>
-                    <a:srgbClr val="C00000"/>
-                  </a:solidFill>
-                  <a:latin typeface="Cambria Math" panose="02040503050406030204" pitchFamily="18" charset="0"/>
-                </a:endParaRPr>
-              </a:p>
-              <a:p>
-                <a:pPr>
-                  <a:buClr>
-                    <a:schemeClr val="tx1"/>
-                  </a:buClr>
-                </a:pPr>
-                <a14:m>
-                  <m:oMath xmlns:m="http://schemas.openxmlformats.org/officeDocument/2006/math">
-                    <m:acc>
-                      <m:accPr>
-                        <m:chr m:val="̃"/>
-                        <m:ctrlPr>
-                          <a:rPr lang="en-US" i="1" dirty="0">
-                            <a:solidFill>
-                              <a:srgbClr val="C00000"/>
-                            </a:solidFill>
-                            <a:latin typeface="Cambria Math" panose="02040503050406030204" pitchFamily="18" charset="0"/>
-                          </a:rPr>
-                        </m:ctrlPr>
-                      </m:accPr>
-                      <m:e>
-                        <m:r>
-                          <m:rPr>
-                            <m:sty m:val="p"/>
-                          </m:rPr>
-                          <a:rPr lang="en-US" dirty="0">
-                            <a:solidFill>
-                              <a:srgbClr val="C00000"/>
-                            </a:solidFill>
-                            <a:latin typeface="Cambria Math" panose="02040503050406030204" pitchFamily="18" charset="0"/>
-                          </a:rPr>
-                          <m:t>Θ</m:t>
-                        </m:r>
-                      </m:e>
-                    </m:acc>
-                    <m:r>
-                      <a:rPr lang="en-US" i="1" dirty="0">
-                        <a:solidFill>
-                          <a:srgbClr val="C00000"/>
-                        </a:solidFill>
-                        <a:latin typeface="Cambria Math" panose="02040503050406030204" pitchFamily="18" charset="0"/>
-                      </a:rPr>
-                      <m:t>(</m:t>
-                    </m:r>
-                    <m:rad>
-                      <m:radPr>
-                        <m:degHide m:val="on"/>
-                        <m:ctrlPr>
-                          <a:rPr lang="en-US" i="1" dirty="0">
-                            <a:solidFill>
-                              <a:srgbClr val="C00000"/>
-                            </a:solidFill>
-                            <a:latin typeface="Cambria Math" panose="02040503050406030204" pitchFamily="18" charset="0"/>
-                          </a:rPr>
-                        </m:ctrlPr>
-                      </m:radPr>
-                      <m:deg/>
-                      <m:e>
-                        <m:r>
-                          <a:rPr lang="en-US" i="1" dirty="0">
-                            <a:solidFill>
-                              <a:srgbClr val="C00000"/>
-                            </a:solidFill>
-                            <a:latin typeface="Cambria Math" panose="02040503050406030204" pitchFamily="18" charset="0"/>
-                          </a:rPr>
-                          <m:t>𝑛</m:t>
-                        </m:r>
-                      </m:e>
-                    </m:rad>
-                    <m:r>
-                      <a:rPr lang="en-US" i="1" dirty="0">
-                        <a:solidFill>
-                          <a:srgbClr val="C00000"/>
-                        </a:solidFill>
-                        <a:latin typeface="Cambria Math" panose="02040503050406030204" pitchFamily="18" charset="0"/>
-                      </a:rPr>
-                      <m:t>)</m:t>
-                    </m:r>
-                  </m:oMath>
-                </a14:m>
-                <a:endParaRPr lang="en-US" i="1" dirty="0">
-                  <a:solidFill>
-                    <a:srgbClr val="C00000"/>
-                  </a:solidFill>
-                  <a:latin typeface="Cambria Math" panose="02040503050406030204" pitchFamily="18" charset="0"/>
-                </a:endParaRPr>
-              </a:p>
-              <a:p>
-                <a:pPr>
-                  <a:buClr>
-                    <a:schemeClr val="tx1"/>
-                  </a:buClr>
-                </a:pPr>
-                <a14:m>
-                  <m:oMath xmlns:m="http://schemas.openxmlformats.org/officeDocument/2006/math">
-                    <m:acc>
-                      <m:accPr>
-                        <m:chr m:val="̃"/>
-                        <m:ctrlPr>
-                          <a:rPr lang="en-US" i="1" dirty="0">
-                            <a:solidFill>
-                              <a:srgbClr val="C00000"/>
-                            </a:solidFill>
-                            <a:latin typeface="Cambria Math" panose="02040503050406030204" pitchFamily="18" charset="0"/>
-                          </a:rPr>
-                        </m:ctrlPr>
-                      </m:accPr>
-                      <m:e>
-                        <m:r>
-                          <m:rPr>
-                            <m:sty m:val="p"/>
-                          </m:rPr>
-                          <a:rPr lang="en-US" dirty="0">
-                            <a:solidFill>
-                              <a:srgbClr val="C00000"/>
-                            </a:solidFill>
-                            <a:latin typeface="Cambria Math" panose="02040503050406030204" pitchFamily="18" charset="0"/>
-                          </a:rPr>
-                          <m:t>Θ</m:t>
-                        </m:r>
-                      </m:e>
-                    </m:acc>
-                    <m:r>
-                      <a:rPr lang="en-US" i="1" dirty="0">
-                        <a:solidFill>
-                          <a:srgbClr val="C00000"/>
-                        </a:solidFill>
-                        <a:latin typeface="Cambria Math" panose="02040503050406030204" pitchFamily="18" charset="0"/>
-                      </a:rPr>
-                      <m:t>(</m:t>
-                    </m:r>
-                    <m:r>
-                      <a:rPr lang="en-US" i="1" dirty="0">
-                        <a:solidFill>
-                          <a:srgbClr val="C00000"/>
-                        </a:solidFill>
-                        <a:latin typeface="Cambria Math" panose="02040503050406030204" pitchFamily="18" charset="0"/>
-                      </a:rPr>
-                      <m:t>𝑛</m:t>
-                    </m:r>
-                    <m:r>
-                      <a:rPr lang="en-US" i="1" dirty="0">
-                        <a:solidFill>
-                          <a:srgbClr val="C00000"/>
-                        </a:solidFill>
-                        <a:latin typeface="Cambria Math" panose="02040503050406030204" pitchFamily="18" charset="0"/>
-                      </a:rPr>
-                      <m:t>)</m:t>
-                    </m:r>
-                  </m:oMath>
-                </a14:m>
-                <a:endParaRPr lang="en-US" dirty="0"/>
-              </a:p>
-            </p:txBody>
-          </p:sp>
-        </mc:Choice>
-        <mc:Fallback xmlns="">
-          <p:sp>
-            <p:nvSpPr>
-              <p:cNvPr id="3" name="Content Placeholder 2">
-                <a:extLst>
-                  <a:ext uri="{FF2B5EF4-FFF2-40B4-BE49-F238E27FC236}">
-                    <a16:creationId xmlns:a16="http://schemas.microsoft.com/office/drawing/2014/main" id="{76F2126B-4AA6-302B-7E5A-170FFAAB8BD1}"/>
-                  </a:ext>
-                </a:extLst>
-              </p:cNvPr>
-              <p:cNvSpPr>
-                <a:spLocks noGrp="1" noRot="1" noChangeAspect="1" noMove="1" noResize="1" noEditPoints="1" noAdjustHandles="1" noChangeArrowheads="1" noChangeShapeType="1" noTextEdit="1"/>
-              </p:cNvSpPr>
-              <p:nvPr>
-                <p:ph idx="1"/>
-              </p:nvPr>
-            </p:nvSpPr>
-            <p:spPr>
-              <a:blipFill>
-                <a:blip r:embed="rId2"/>
-                <a:stretch>
-                  <a:fillRect l="-1043" t="-2241" r="-1565"/>
-                </a:stretch>
-              </a:blipFill>
-            </p:spPr>
-            <p:txBody>
-              <a:bodyPr/>
-              <a:lstStyle/>
-              <a:p>
-                <a:r>
-                  <a:rPr lang="en-US">
-                    <a:noFill/>
-                  </a:rPr>
-                  <a:t> </a:t>
-                </a:r>
-              </a:p>
-            </p:txBody>
-          </p:sp>
-        </mc:Fallback>
-      </mc:AlternateContent>
-    </p:spTree>
-    <p:extLst>
-      <p:ext uri="{BB962C8B-B14F-4D97-AF65-F5344CB8AC3E}">
-        <p14:creationId xmlns:p14="http://schemas.microsoft.com/office/powerpoint/2010/main" val="2069971113"/>
-      </p:ext>
-    </p:extLst>
-  </p:cSld>
-  <p:clrMapOvr>
-    <a:masterClrMapping/>
-  </p:clrMapOvr>
-</p:sld>
-</file>
-
-<file path=ppt/slides/slide33.xml><?xml version="1.0" encoding="utf-8"?>
-<p:sld xmlns:a="http://schemas.openxmlformats.org/drawingml/2006/main" xmlns:r="http://schemas.openxmlformats.org/officeDocument/2006/relationships" xmlns:p="http://schemas.openxmlformats.org/presentationml/2006/main">
-  <p:cSld>
-    <p:spTree>
-      <p:nvGrpSpPr>
-        <p:cNvPr id="1" name=""/>
-        <p:cNvGrpSpPr/>
-        <p:nvPr/>
-      </p:nvGrpSpPr>
-      <p:grpSpPr>
-        <a:xfrm>
-          <a:off x="0" y="0"/>
-          <a:ext cx="0" cy="0"/>
-          <a:chOff x="0" y="0"/>
-          <a:chExt cx="0" cy="0"/>
-        </a:xfrm>
-      </p:grpSpPr>
-      <p:sp>
-        <p:nvSpPr>
-          <p:cNvPr id="2" name="Title 1">
-            <a:extLst>
-              <a:ext uri="{FF2B5EF4-FFF2-40B4-BE49-F238E27FC236}">
-                <a16:creationId xmlns:a16="http://schemas.microsoft.com/office/drawing/2014/main" id="{FCA5AC62-A5FD-2A5B-018F-859A378AA1D4}"/>
-              </a:ext>
-            </a:extLst>
-          </p:cNvPr>
-          <p:cNvSpPr>
-            <a:spLocks noGrp="1"/>
-          </p:cNvSpPr>
-          <p:nvPr>
-            <p:ph type="title"/>
-          </p:nvPr>
-        </p:nvSpPr>
-        <p:spPr/>
-        <p:txBody>
-          <a:bodyPr/>
-          <a:lstStyle/>
-          <a:p>
-            <a:r>
-              <a:rPr lang="en-US" dirty="0">
-                <a:solidFill>
-                  <a:srgbClr val="C00000"/>
-                </a:solidFill>
-              </a:rPr>
-              <a:t>Trivia Question #4 (Coupon Collector)</a:t>
-            </a:r>
-          </a:p>
-        </p:txBody>
-      </p:sp>
-      <mc:AlternateContent xmlns:mc="http://schemas.openxmlformats.org/markup-compatibility/2006" xmlns:a14="http://schemas.microsoft.com/office/drawing/2010/main">
-        <mc:Choice Requires="a14">
-          <p:sp>
-            <p:nvSpPr>
-              <p:cNvPr id="3" name="Content Placeholder 2">
-                <a:extLst>
-                  <a:ext uri="{FF2B5EF4-FFF2-40B4-BE49-F238E27FC236}">
-                    <a16:creationId xmlns:a16="http://schemas.microsoft.com/office/drawing/2014/main" id="{76F2126B-4AA6-302B-7E5A-170FFAAB8BD1}"/>
-                  </a:ext>
-                </a:extLst>
-              </p:cNvPr>
-              <p:cNvSpPr>
-                <a:spLocks noGrp="1"/>
-              </p:cNvSpPr>
-              <p:nvPr>
-                <p:ph idx="1"/>
-              </p:nvPr>
-            </p:nvSpPr>
-            <p:spPr/>
-            <p:txBody>
-              <a:bodyPr/>
-              <a:lstStyle/>
-              <a:p>
-                <a:pPr>
-                  <a:buClr>
-                    <a:schemeClr val="tx1"/>
-                  </a:buClr>
-                </a:pPr>
-                <a:r>
-                  <a:rPr lang="en-US" dirty="0"/>
-                  <a:t>Suppose we have a fair </a:t>
-                </a:r>
-                <a14:m>
-                  <m:oMath xmlns:m="http://schemas.openxmlformats.org/officeDocument/2006/math">
-                    <m:r>
-                      <a:rPr lang="en-US" b="0" i="1" dirty="0" smtClean="0">
-                        <a:solidFill>
-                          <a:srgbClr val="C00000"/>
-                        </a:solidFill>
-                        <a:latin typeface="Cambria Math" panose="02040503050406030204" pitchFamily="18" charset="0"/>
-                      </a:rPr>
-                      <m:t>𝑛</m:t>
-                    </m:r>
-                  </m:oMath>
-                </a14:m>
-                <a:r>
-                  <a:rPr lang="en-US" dirty="0"/>
-                  <a:t>-sided die. “On average”, how many times should we roll the die before we all possible outcomes among the rolls? Example: </a:t>
-                </a:r>
-                <a14:m>
-                  <m:oMath xmlns:m="http://schemas.openxmlformats.org/officeDocument/2006/math">
-                    <m:r>
-                      <a:rPr lang="en-US" b="0" i="1" dirty="0" smtClean="0">
-                        <a:solidFill>
-                          <a:srgbClr val="C00000"/>
-                        </a:solidFill>
-                        <a:latin typeface="Cambria Math" panose="02040503050406030204" pitchFamily="18" charset="0"/>
-                      </a:rPr>
-                      <m:t>1</m:t>
-                    </m:r>
-                  </m:oMath>
-                </a14:m>
-                <a:r>
-                  <a:rPr lang="en-US" dirty="0"/>
-                  <a:t>, </a:t>
-                </a:r>
-                <a14:m>
-                  <m:oMath xmlns:m="http://schemas.openxmlformats.org/officeDocument/2006/math">
-                    <m:r>
-                      <a:rPr lang="en-US" b="0" i="1" dirty="0" smtClean="0">
-                        <a:solidFill>
-                          <a:srgbClr val="C00000"/>
-                        </a:solidFill>
-                        <a:latin typeface="Cambria Math" panose="02040503050406030204" pitchFamily="18" charset="0"/>
-                      </a:rPr>
-                      <m:t>5</m:t>
-                    </m:r>
-                  </m:oMath>
-                </a14:m>
-                <a:r>
-                  <a:rPr lang="en-US" dirty="0"/>
-                  <a:t>, </a:t>
-                </a:r>
-                <a14:m>
-                  <m:oMath xmlns:m="http://schemas.openxmlformats.org/officeDocument/2006/math">
-                    <m:r>
-                      <a:rPr lang="en-US" b="0" i="1" dirty="0" smtClean="0">
-                        <a:solidFill>
-                          <a:srgbClr val="C00000"/>
-                        </a:solidFill>
-                        <a:latin typeface="Cambria Math" panose="02040503050406030204" pitchFamily="18" charset="0"/>
-                      </a:rPr>
-                      <m:t>2</m:t>
-                    </m:r>
-                  </m:oMath>
-                </a14:m>
-                <a:r>
-                  <a:rPr lang="en-US" dirty="0"/>
-                  <a:t>, </a:t>
-                </a:r>
-                <a14:m>
-                  <m:oMath xmlns:m="http://schemas.openxmlformats.org/officeDocument/2006/math">
-                    <m:r>
-                      <a:rPr lang="en-US" b="0" i="1" dirty="0" smtClean="0">
-                        <a:solidFill>
-                          <a:srgbClr val="C00000"/>
-                        </a:solidFill>
-                        <a:latin typeface="Cambria Math" panose="02040503050406030204" pitchFamily="18" charset="0"/>
-                      </a:rPr>
-                      <m:t>4</m:t>
-                    </m:r>
-                  </m:oMath>
-                </a14:m>
-                <a:r>
-                  <a:rPr lang="en-US" dirty="0"/>
-                  <a:t>,</a:t>
-                </a:r>
-                <a:r>
-                  <a:rPr lang="en-US" dirty="0">
-                    <a:solidFill>
-                      <a:srgbClr val="C00000"/>
-                    </a:solidFill>
-                  </a:rPr>
-                  <a:t> </a:t>
-                </a:r>
-                <a14:m>
-                  <m:oMath xmlns:m="http://schemas.openxmlformats.org/officeDocument/2006/math">
-                    <m:r>
-                      <a:rPr lang="en-US" b="0" i="1" smtClean="0">
-                        <a:solidFill>
-                          <a:srgbClr val="C00000"/>
-                        </a:solidFill>
-                        <a:latin typeface="Cambria Math" panose="02040503050406030204" pitchFamily="18" charset="0"/>
-                      </a:rPr>
-                      <m:t>1</m:t>
-                    </m:r>
-                  </m:oMath>
-                </a14:m>
-                <a:r>
-                  <a:rPr lang="en-US" dirty="0"/>
-                  <a:t>, </a:t>
-                </a:r>
-                <a14:m>
-                  <m:oMath xmlns:m="http://schemas.openxmlformats.org/officeDocument/2006/math">
-                    <m:r>
-                      <a:rPr lang="en-US" b="0" i="1" dirty="0" smtClean="0">
-                        <a:solidFill>
-                          <a:srgbClr val="C00000"/>
-                        </a:solidFill>
-                        <a:latin typeface="Cambria Math" panose="02040503050406030204" pitchFamily="18" charset="0"/>
-                      </a:rPr>
-                      <m:t>3</m:t>
-                    </m:r>
-                  </m:oMath>
-                </a14:m>
-                <a:r>
-                  <a:rPr lang="en-US" dirty="0"/>
-                  <a:t>, </a:t>
-                </a:r>
-                <a14:m>
-                  <m:oMath xmlns:m="http://schemas.openxmlformats.org/officeDocument/2006/math">
-                    <m:r>
-                      <a:rPr lang="en-US" b="0" i="1" dirty="0" smtClean="0">
-                        <a:solidFill>
-                          <a:srgbClr val="C00000"/>
-                        </a:solidFill>
-                        <a:latin typeface="Cambria Math" panose="02040503050406030204" pitchFamily="18" charset="0"/>
-                      </a:rPr>
-                      <m:t>1</m:t>
-                    </m:r>
-                  </m:oMath>
-                </a14:m>
-                <a:r>
-                  <a:rPr lang="en-US" dirty="0"/>
-                  <a:t>, </a:t>
-                </a:r>
-                <a14:m>
-                  <m:oMath xmlns:m="http://schemas.openxmlformats.org/officeDocument/2006/math">
-                    <m:r>
-                      <a:rPr lang="en-US" b="0" i="1" dirty="0" smtClean="0">
-                        <a:solidFill>
-                          <a:srgbClr val="0070C0"/>
-                        </a:solidFill>
-                        <a:latin typeface="Cambria Math" panose="02040503050406030204" pitchFamily="18" charset="0"/>
-                      </a:rPr>
-                      <m:t>6</m:t>
-                    </m:r>
-                  </m:oMath>
-                </a14:m>
-                <a:r>
-                  <a:rPr lang="en-US" dirty="0">
-                    <a:solidFill>
-                      <a:srgbClr val="C00000"/>
-                    </a:solidFill>
-                  </a:rPr>
-                  <a:t> </a:t>
-                </a:r>
-                <a:r>
-                  <a:rPr lang="en-US" dirty="0"/>
-                  <a:t>for</a:t>
-                </a:r>
-                <a:r>
-                  <a:rPr lang="en-US" dirty="0">
-                    <a:solidFill>
-                      <a:srgbClr val="C00000"/>
-                    </a:solidFill>
-                  </a:rPr>
-                  <a:t> </a:t>
-                </a:r>
-                <a14:m>
-                  <m:oMath xmlns:m="http://schemas.openxmlformats.org/officeDocument/2006/math">
-                    <m:r>
-                      <a:rPr lang="en-US" i="1" dirty="0">
-                        <a:solidFill>
-                          <a:srgbClr val="C00000"/>
-                        </a:solidFill>
-                        <a:latin typeface="Cambria Math" panose="02040503050406030204" pitchFamily="18" charset="0"/>
-                      </a:rPr>
-                      <m:t>𝑛</m:t>
-                    </m:r>
-                    <m:r>
-                      <a:rPr lang="en-US" b="0" i="0" dirty="0" smtClean="0">
-                        <a:solidFill>
-                          <a:srgbClr val="C00000"/>
-                        </a:solidFill>
-                        <a:latin typeface="Cambria Math" panose="02040503050406030204" pitchFamily="18" charset="0"/>
-                      </a:rPr>
-                      <m:t>=6</m:t>
-                    </m:r>
-                  </m:oMath>
-                </a14:m>
-                <a:endParaRPr lang="en-US" dirty="0">
-                  <a:solidFill>
-                    <a:srgbClr val="C00000"/>
-                  </a:solidFill>
-                </a:endParaRPr>
-              </a:p>
-              <a:p>
-                <a:pPr>
-                  <a:buClr>
-                    <a:schemeClr val="tx1"/>
-                  </a:buClr>
-                </a:pPr>
-                <a:endParaRPr lang="en-US" dirty="0"/>
-              </a:p>
-              <a:p>
-                <a:pPr>
-                  <a:buClr>
-                    <a:schemeClr val="tx1"/>
-                  </a:buClr>
-                </a:pPr>
-                <a14:m>
-                  <m:oMath xmlns:m="http://schemas.openxmlformats.org/officeDocument/2006/math">
-                    <m:r>
-                      <m:rPr>
-                        <m:sty m:val="p"/>
-                      </m:rPr>
-                      <a:rPr lang="en-US" dirty="0">
-                        <a:solidFill>
-                          <a:srgbClr val="C00000"/>
-                        </a:solidFill>
-                        <a:latin typeface="Cambria Math" panose="02040503050406030204" pitchFamily="18" charset="0"/>
-                      </a:rPr>
-                      <m:t>Θ</m:t>
-                    </m:r>
-                    <m:d>
-                      <m:dPr>
-                        <m:ctrlPr>
-                          <a:rPr lang="en-US" b="0" i="1" dirty="0" smtClean="0">
-                            <a:solidFill>
-                              <a:srgbClr val="C00000"/>
-                            </a:solidFill>
-                            <a:latin typeface="Cambria Math" panose="02040503050406030204" pitchFamily="18" charset="0"/>
-                          </a:rPr>
-                        </m:ctrlPr>
-                      </m:dPr>
-                      <m:e>
-                        <m:r>
-                          <a:rPr lang="en-US" b="0" i="1" dirty="0" smtClean="0">
-                            <a:solidFill>
-                              <a:srgbClr val="C00000"/>
-                            </a:solidFill>
-                            <a:latin typeface="Cambria Math" panose="02040503050406030204" pitchFamily="18" charset="0"/>
-                          </a:rPr>
-                          <m:t>𝑛</m:t>
-                        </m:r>
-                      </m:e>
-                    </m:d>
-                  </m:oMath>
-                </a14:m>
-                <a:endParaRPr lang="en-US" b="0" dirty="0">
-                  <a:solidFill>
-                    <a:srgbClr val="C00000"/>
-                  </a:solidFill>
-                </a:endParaRPr>
-              </a:p>
-              <a:p>
-                <a:pPr>
-                  <a:buClr>
-                    <a:schemeClr val="tx1"/>
-                  </a:buClr>
-                </a:pPr>
-                <a14:m>
-                  <m:oMath xmlns:m="http://schemas.openxmlformats.org/officeDocument/2006/math">
-                    <m:r>
-                      <m:rPr>
-                        <m:sty m:val="p"/>
-                      </m:rPr>
-                      <a:rPr lang="en-US" dirty="0">
-                        <a:solidFill>
-                          <a:srgbClr val="C00000"/>
-                        </a:solidFill>
-                        <a:latin typeface="Cambria Math" panose="02040503050406030204" pitchFamily="18" charset="0"/>
-                      </a:rPr>
-                      <m:t>Θ</m:t>
-                    </m:r>
-                    <m:d>
-                      <m:dPr>
-                        <m:ctrlPr>
-                          <a:rPr lang="en-US" b="0" i="1" dirty="0" smtClean="0">
-                            <a:solidFill>
-                              <a:srgbClr val="C00000"/>
-                            </a:solidFill>
-                            <a:latin typeface="Cambria Math" panose="02040503050406030204" pitchFamily="18" charset="0"/>
-                          </a:rPr>
-                        </m:ctrlPr>
-                      </m:dPr>
-                      <m:e>
-                        <m:r>
-                          <a:rPr lang="en-US" b="0" i="1" dirty="0" smtClean="0">
-                            <a:solidFill>
-                              <a:srgbClr val="C00000"/>
-                            </a:solidFill>
-                            <a:latin typeface="Cambria Math" panose="02040503050406030204" pitchFamily="18" charset="0"/>
-                          </a:rPr>
-                          <m:t>𝑛</m:t>
-                        </m:r>
-                        <m:func>
-                          <m:funcPr>
-                            <m:ctrlPr>
-                              <a:rPr lang="en-US" b="0" i="1" dirty="0" smtClean="0">
-                                <a:solidFill>
-                                  <a:srgbClr val="C00000"/>
-                                </a:solidFill>
-                                <a:latin typeface="Cambria Math" panose="02040503050406030204" pitchFamily="18" charset="0"/>
-                              </a:rPr>
-                            </m:ctrlPr>
-                          </m:funcPr>
-                          <m:fName>
-                            <m:r>
-                              <m:rPr>
-                                <m:sty m:val="p"/>
-                              </m:rPr>
-                              <a:rPr lang="en-US" b="0" i="0" dirty="0" smtClean="0">
-                                <a:solidFill>
-                                  <a:srgbClr val="C00000"/>
-                                </a:solidFill>
-                                <a:latin typeface="Cambria Math" panose="02040503050406030204" pitchFamily="18" charset="0"/>
-                              </a:rPr>
-                              <m:t>log</m:t>
-                            </m:r>
-                          </m:fName>
-                          <m:e>
-                            <m:r>
-                              <a:rPr lang="en-US" b="0" i="1" dirty="0" smtClean="0">
-                                <a:solidFill>
-                                  <a:srgbClr val="C00000"/>
-                                </a:solidFill>
-                                <a:latin typeface="Cambria Math" panose="02040503050406030204" pitchFamily="18" charset="0"/>
-                              </a:rPr>
-                              <m:t>𝑛</m:t>
-                            </m:r>
-                          </m:e>
-                        </m:func>
-                      </m:e>
-                    </m:d>
-                  </m:oMath>
-                </a14:m>
-                <a:endParaRPr lang="en-US" b="0" dirty="0">
-                  <a:solidFill>
-                    <a:srgbClr val="C00000"/>
-                  </a:solidFill>
-                </a:endParaRPr>
-              </a:p>
-              <a:p>
-                <a:pPr>
-                  <a:buClr>
-                    <a:schemeClr val="tx1"/>
-                  </a:buClr>
-                </a:pPr>
-                <a14:m>
-                  <m:oMath xmlns:m="http://schemas.openxmlformats.org/officeDocument/2006/math">
-                    <m:r>
-                      <m:rPr>
-                        <m:sty m:val="p"/>
-                      </m:rPr>
-                      <a:rPr lang="en-US" dirty="0">
-                        <a:solidFill>
-                          <a:srgbClr val="C00000"/>
-                        </a:solidFill>
-                        <a:latin typeface="Cambria Math" panose="02040503050406030204" pitchFamily="18" charset="0"/>
-                      </a:rPr>
-                      <m:t>Θ</m:t>
-                    </m:r>
-                    <m:d>
-                      <m:dPr>
-                        <m:ctrlPr>
-                          <a:rPr lang="en-US" b="0" i="1" dirty="0" smtClean="0">
-                            <a:solidFill>
-                              <a:srgbClr val="C00000"/>
-                            </a:solidFill>
-                            <a:latin typeface="Cambria Math" panose="02040503050406030204" pitchFamily="18" charset="0"/>
-                          </a:rPr>
-                        </m:ctrlPr>
-                      </m:dPr>
-                      <m:e>
-                        <m:r>
-                          <a:rPr lang="en-US" b="0" i="1" dirty="0" smtClean="0">
-                            <a:solidFill>
-                              <a:srgbClr val="C00000"/>
-                            </a:solidFill>
-                            <a:latin typeface="Cambria Math" panose="02040503050406030204" pitchFamily="18" charset="0"/>
-                          </a:rPr>
-                          <m:t>𝑛</m:t>
-                        </m:r>
-                        <m:rad>
-                          <m:radPr>
-                            <m:degHide m:val="on"/>
-                            <m:ctrlPr>
-                              <a:rPr lang="en-US" b="0" i="1" dirty="0" smtClean="0">
-                                <a:solidFill>
-                                  <a:srgbClr val="C00000"/>
-                                </a:solidFill>
-                                <a:latin typeface="Cambria Math" panose="02040503050406030204" pitchFamily="18" charset="0"/>
-                              </a:rPr>
-                            </m:ctrlPr>
-                          </m:radPr>
-                          <m:deg/>
-                          <m:e>
-                            <m:r>
-                              <a:rPr lang="en-US" b="0" i="1" dirty="0" smtClean="0">
-                                <a:solidFill>
-                                  <a:srgbClr val="C00000"/>
-                                </a:solidFill>
-                                <a:latin typeface="Cambria Math" panose="02040503050406030204" pitchFamily="18" charset="0"/>
-                              </a:rPr>
-                              <m:t>𝑛</m:t>
-                            </m:r>
-                          </m:e>
-                        </m:rad>
-                      </m:e>
-                    </m:d>
-                  </m:oMath>
-                </a14:m>
-                <a:endParaRPr lang="en-US" b="0" dirty="0">
-                  <a:solidFill>
-                    <a:srgbClr val="C00000"/>
-                  </a:solidFill>
-                </a:endParaRPr>
-              </a:p>
-              <a:p>
-                <a:pPr>
-                  <a:buClr>
-                    <a:schemeClr val="tx1"/>
-                  </a:buClr>
-                </a:pPr>
-                <a14:m>
-                  <m:oMath xmlns:m="http://schemas.openxmlformats.org/officeDocument/2006/math">
-                    <m:r>
-                      <m:rPr>
-                        <m:sty m:val="p"/>
-                      </m:rPr>
-                      <a:rPr lang="en-US" dirty="0">
-                        <a:solidFill>
-                          <a:srgbClr val="C00000"/>
-                        </a:solidFill>
-                        <a:latin typeface="Cambria Math" panose="02040503050406030204" pitchFamily="18" charset="0"/>
-                      </a:rPr>
-                      <m:t>Θ</m:t>
-                    </m:r>
-                    <m:d>
-                      <m:dPr>
-                        <m:ctrlPr>
-                          <a:rPr lang="en-US" b="0" i="1" dirty="0" smtClean="0">
-                            <a:solidFill>
-                              <a:srgbClr val="C00000"/>
-                            </a:solidFill>
-                            <a:latin typeface="Cambria Math" panose="02040503050406030204" pitchFamily="18" charset="0"/>
-                          </a:rPr>
-                        </m:ctrlPr>
-                      </m:dPr>
-                      <m:e>
-                        <m:sSup>
-                          <m:sSupPr>
-                            <m:ctrlPr>
-                              <a:rPr lang="en-US" b="0" i="1" dirty="0" smtClean="0">
-                                <a:solidFill>
-                                  <a:srgbClr val="C00000"/>
-                                </a:solidFill>
-                                <a:latin typeface="Cambria Math" panose="02040503050406030204" pitchFamily="18" charset="0"/>
-                              </a:rPr>
-                            </m:ctrlPr>
-                          </m:sSupPr>
-                          <m:e>
-                            <m:r>
-                              <a:rPr lang="en-US" b="0" i="1" dirty="0" smtClean="0">
-                                <a:solidFill>
-                                  <a:srgbClr val="C00000"/>
-                                </a:solidFill>
-                                <a:latin typeface="Cambria Math" panose="02040503050406030204" pitchFamily="18" charset="0"/>
-                              </a:rPr>
-                              <m:t>𝑛</m:t>
-                            </m:r>
-                          </m:e>
-                          <m:sup>
-                            <m:r>
-                              <a:rPr lang="en-US" b="0" i="1" dirty="0" smtClean="0">
-                                <a:solidFill>
-                                  <a:srgbClr val="C00000"/>
-                                </a:solidFill>
-                                <a:latin typeface="Cambria Math" panose="02040503050406030204" pitchFamily="18" charset="0"/>
-                              </a:rPr>
-                              <m:t>2</m:t>
-                            </m:r>
-                          </m:sup>
-                        </m:sSup>
-                      </m:e>
-                    </m:d>
-                  </m:oMath>
-                </a14:m>
-                <a:endParaRPr lang="en-US" dirty="0"/>
-              </a:p>
-            </p:txBody>
-          </p:sp>
-        </mc:Choice>
-        <mc:Fallback xmlns="">
-          <p:sp>
-            <p:nvSpPr>
-              <p:cNvPr id="3" name="Content Placeholder 2">
-                <a:extLst>
-                  <a:ext uri="{FF2B5EF4-FFF2-40B4-BE49-F238E27FC236}">
-                    <a16:creationId xmlns:a16="http://schemas.microsoft.com/office/drawing/2014/main" id="{76F2126B-4AA6-302B-7E5A-170FFAAB8BD1}"/>
-                  </a:ext>
-                </a:extLst>
-              </p:cNvPr>
-              <p:cNvSpPr>
-                <a:spLocks noGrp="1" noRot="1" noChangeAspect="1" noMove="1" noResize="1" noEditPoints="1" noAdjustHandles="1" noChangeArrowheads="1" noChangeShapeType="1" noTextEdit="1"/>
-              </p:cNvSpPr>
-              <p:nvPr>
-                <p:ph idx="1"/>
-              </p:nvPr>
-            </p:nvSpPr>
-            <p:spPr>
-              <a:blipFill>
-                <a:blip r:embed="rId2"/>
-                <a:stretch>
-                  <a:fillRect l="-1043" t="-2241"/>
-                </a:stretch>
-              </a:blipFill>
-            </p:spPr>
-            <p:txBody>
-              <a:bodyPr/>
-              <a:lstStyle/>
-              <a:p>
-                <a:r>
-                  <a:rPr lang="en-US">
-                    <a:noFill/>
-                  </a:rPr>
-                  <a:t> </a:t>
-                </a:r>
-              </a:p>
-            </p:txBody>
-          </p:sp>
-        </mc:Fallback>
-      </mc:AlternateContent>
-    </p:spTree>
-    <p:extLst>
-      <p:ext uri="{BB962C8B-B14F-4D97-AF65-F5344CB8AC3E}">
-        <p14:creationId xmlns:p14="http://schemas.microsoft.com/office/powerpoint/2010/main" val="3034161375"/>
-      </p:ext>
-    </p:extLst>
-  </p:cSld>
-  <p:clrMapOvr>
-    <a:masterClrMapping/>
-  </p:clrMapOvr>
-</p:sld>
-</file>
-
-<file path=ppt/slides/slide34.xml><?xml version="1.0" encoding="utf-8"?>
-<p:sld xmlns:a="http://schemas.openxmlformats.org/drawingml/2006/main" xmlns:r="http://schemas.openxmlformats.org/officeDocument/2006/relationships" xmlns:p="http://schemas.openxmlformats.org/presentationml/2006/main">
-  <p:cSld>
-    <p:spTree>
-      <p:nvGrpSpPr>
-        <p:cNvPr id="1" name=""/>
-        <p:cNvGrpSpPr/>
-        <p:nvPr/>
-      </p:nvGrpSpPr>
-      <p:grpSpPr>
-        <a:xfrm>
-          <a:off x="0" y="0"/>
-          <a:ext cx="0" cy="0"/>
-          <a:chOff x="0" y="0"/>
-          <a:chExt cx="0" cy="0"/>
-        </a:xfrm>
-      </p:grpSpPr>
-      <p:sp>
-        <p:nvSpPr>
-          <p:cNvPr id="2" name="Title 1">
-            <a:extLst>
-              <a:ext uri="{FF2B5EF4-FFF2-40B4-BE49-F238E27FC236}">
-                <a16:creationId xmlns:a16="http://schemas.microsoft.com/office/drawing/2014/main" id="{A49DDC00-2744-B7F9-8394-609BE1AEC413}"/>
-              </a:ext>
-            </a:extLst>
-          </p:cNvPr>
-          <p:cNvSpPr>
-            <a:spLocks noGrp="1"/>
-          </p:cNvSpPr>
-          <p:nvPr>
-            <p:ph type="title"/>
-          </p:nvPr>
-        </p:nvSpPr>
-        <p:spPr/>
-        <p:txBody>
-          <a:bodyPr/>
-          <a:lstStyle/>
-          <a:p>
-            <a:r>
-              <a:rPr lang="en-US" dirty="0">
-                <a:solidFill>
-                  <a:srgbClr val="C00000"/>
-                </a:solidFill>
-              </a:rPr>
-              <a:t>Moments</a:t>
-            </a:r>
-            <a:endParaRPr lang="en-US" dirty="0"/>
-          </a:p>
-        </p:txBody>
-      </p:sp>
-      <mc:AlternateContent xmlns:mc="http://schemas.openxmlformats.org/markup-compatibility/2006" xmlns:a14="http://schemas.microsoft.com/office/drawing/2010/main">
-        <mc:Choice Requires="a14">
-          <p:sp>
-            <p:nvSpPr>
-              <p:cNvPr id="3" name="Content Placeholder 2">
-                <a:extLst>
-                  <a:ext uri="{FF2B5EF4-FFF2-40B4-BE49-F238E27FC236}">
-                    <a16:creationId xmlns:a16="http://schemas.microsoft.com/office/drawing/2014/main" id="{6666941B-6AAA-DFD0-8896-ACB1B4FE2AC6}"/>
-                  </a:ext>
-                </a:extLst>
-              </p:cNvPr>
-              <p:cNvSpPr>
-                <a:spLocks noGrp="1"/>
-              </p:cNvSpPr>
-              <p:nvPr>
-                <p:ph idx="1"/>
-              </p:nvPr>
-            </p:nvSpPr>
-            <p:spPr>
-              <a:xfrm>
-                <a:off x="838200" y="1825625"/>
-                <a:ext cx="10515600" cy="4667250"/>
-              </a:xfrm>
-            </p:spPr>
-            <p:txBody>
-              <a:bodyPr>
-                <a:normAutofit/>
-              </a:bodyPr>
-              <a:lstStyle/>
-              <a:p>
-                <a:r>
-                  <a:rPr lang="en-US" dirty="0"/>
-                  <a:t>For </a:t>
-                </a:r>
-                <a14:m>
-                  <m:oMath xmlns:m="http://schemas.openxmlformats.org/officeDocument/2006/math">
-                    <m:r>
-                      <a:rPr lang="en-US" b="0" i="1" dirty="0" smtClean="0">
-                        <a:solidFill>
-                          <a:srgbClr val="C00000"/>
-                        </a:solidFill>
-                        <a:latin typeface="Cambria Math" panose="02040503050406030204" pitchFamily="18" charset="0"/>
-                      </a:rPr>
-                      <m:t>𝑝</m:t>
-                    </m:r>
-                    <m:r>
-                      <a:rPr lang="en-US" b="0" i="1" dirty="0" smtClean="0">
-                        <a:solidFill>
-                          <a:srgbClr val="C00000"/>
-                        </a:solidFill>
-                        <a:latin typeface="Cambria Math" panose="02040503050406030204" pitchFamily="18" charset="0"/>
-                      </a:rPr>
-                      <m:t>&gt;0</m:t>
-                    </m:r>
-                  </m:oMath>
-                </a14:m>
-                <a:r>
-                  <a:rPr lang="en-US" dirty="0"/>
-                  <a:t>, the </a:t>
-                </a:r>
-                <a14:m>
-                  <m:oMath xmlns:m="http://schemas.openxmlformats.org/officeDocument/2006/math">
-                    <m:r>
-                      <a:rPr lang="en-US" b="0" i="1" dirty="0" smtClean="0">
-                        <a:solidFill>
-                          <a:srgbClr val="C00000"/>
-                        </a:solidFill>
-                        <a:latin typeface="Cambria Math" panose="02040503050406030204" pitchFamily="18" charset="0"/>
-                      </a:rPr>
-                      <m:t>𝑝</m:t>
-                    </m:r>
-                  </m:oMath>
-                </a14:m>
-                <a:r>
-                  <a:rPr lang="en-US" dirty="0"/>
-                  <a:t>-</a:t>
-                </a:r>
-                <a:r>
-                  <a:rPr lang="en-US" dirty="0" err="1"/>
-                  <a:t>th</a:t>
-                </a:r>
-                <a:r>
-                  <a:rPr lang="en-US" dirty="0"/>
-                  <a:t> moment of a random variable </a:t>
-                </a:r>
-                <a14:m>
-                  <m:oMath xmlns:m="http://schemas.openxmlformats.org/officeDocument/2006/math">
-                    <m:r>
-                      <a:rPr lang="en-US" b="0" i="1" dirty="0" smtClean="0">
-                        <a:solidFill>
-                          <a:srgbClr val="C00000"/>
-                        </a:solidFill>
-                        <a:latin typeface="Cambria Math" panose="02040503050406030204" pitchFamily="18" charset="0"/>
-                      </a:rPr>
-                      <m:t>𝑋</m:t>
-                    </m:r>
-                  </m:oMath>
-                </a14:m>
-                <a:r>
-                  <a:rPr lang="en-US" dirty="0"/>
-                  <a:t> over </a:t>
-                </a:r>
-                <a14:m>
-                  <m:oMath xmlns:m="http://schemas.openxmlformats.org/officeDocument/2006/math">
-                    <m:r>
-                      <m:rPr>
-                        <m:sty m:val="p"/>
-                      </m:rPr>
-                      <a:rPr lang="en-US" b="0" i="0" dirty="0" smtClean="0">
-                        <a:solidFill>
-                          <a:srgbClr val="C00000"/>
-                        </a:solidFill>
-                        <a:latin typeface="Cambria Math" panose="02040503050406030204" pitchFamily="18" charset="0"/>
-                      </a:rPr>
-                      <m:t>Ω</m:t>
-                    </m:r>
-                  </m:oMath>
-                </a14:m>
-                <a:r>
-                  <a:rPr lang="en-US" dirty="0"/>
-                  <a:t> is:</a:t>
-                </a:r>
-              </a:p>
-              <a:p>
-                <a:endParaRPr lang="en-US" dirty="0"/>
-              </a:p>
-              <a:p>
-                <a:endParaRPr lang="en-US" dirty="0"/>
-              </a:p>
-              <a:p>
-                <a:pPr marL="0" indent="0">
-                  <a:buNone/>
-                </a:pPr>
-                <a:endParaRPr lang="en-US" dirty="0"/>
-              </a:p>
-            </p:txBody>
-          </p:sp>
-        </mc:Choice>
-        <mc:Fallback xmlns="">
-          <p:sp>
-            <p:nvSpPr>
-              <p:cNvPr id="3" name="Content Placeholder 2">
-                <a:extLst>
-                  <a:ext uri="{FF2B5EF4-FFF2-40B4-BE49-F238E27FC236}">
-                    <a16:creationId xmlns:a16="http://schemas.microsoft.com/office/drawing/2014/main" id="{6666941B-6AAA-DFD0-8896-ACB1B4FE2AC6}"/>
-                  </a:ext>
-                </a:extLst>
-              </p:cNvPr>
-              <p:cNvSpPr>
-                <a:spLocks noGrp="1" noRot="1" noChangeAspect="1" noMove="1" noResize="1" noEditPoints="1" noAdjustHandles="1" noChangeArrowheads="1" noChangeShapeType="1" noTextEdit="1"/>
-              </p:cNvSpPr>
-              <p:nvPr>
-                <p:ph idx="1"/>
-              </p:nvPr>
-            </p:nvSpPr>
-            <p:spPr>
-              <a:xfrm>
-                <a:off x="838200" y="1825625"/>
-                <a:ext cx="10515600" cy="4667250"/>
-              </a:xfrm>
-              <a:blipFill>
-                <a:blip r:embed="rId2"/>
-                <a:stretch>
-                  <a:fillRect l="-1043" t="-2089"/>
-                </a:stretch>
-              </a:blipFill>
-            </p:spPr>
-            <p:txBody>
-              <a:bodyPr/>
-              <a:lstStyle/>
-              <a:p>
-                <a:r>
-                  <a:rPr lang="en-US">
-                    <a:noFill/>
-                  </a:rPr>
-                  <a:t> </a:t>
-                </a:r>
-              </a:p>
-            </p:txBody>
-          </p:sp>
-        </mc:Fallback>
-      </mc:AlternateContent>
-      <mc:AlternateContent xmlns:mc="http://schemas.openxmlformats.org/markup-compatibility/2006" xmlns:a14="http://schemas.microsoft.com/office/drawing/2010/main">
-        <mc:Choice Requires="a14">
-          <p:sp>
-            <p:nvSpPr>
-              <p:cNvPr id="5" name="TextBox 4">
-                <a:extLst>
-                  <a:ext uri="{FF2B5EF4-FFF2-40B4-BE49-F238E27FC236}">
-                    <a16:creationId xmlns:a16="http://schemas.microsoft.com/office/drawing/2014/main" id="{A2DE4CEA-73D7-CD0E-D451-149152B610B0}"/>
-                  </a:ext>
-                </a:extLst>
-              </p:cNvPr>
-              <p:cNvSpPr txBox="1"/>
-              <p:nvPr/>
-            </p:nvSpPr>
-            <p:spPr>
-              <a:xfrm>
-                <a:off x="2877670" y="2356828"/>
-                <a:ext cx="6096000" cy="1137876"/>
-              </a:xfrm>
-              <a:prstGeom prst="rect">
-                <a:avLst/>
-              </a:prstGeom>
-              <a:noFill/>
-            </p:spPr>
-            <p:txBody>
-              <a:bodyPr wrap="square">
-                <a:spAutoFit/>
-              </a:bodyPr>
-              <a:lstStyle/>
-              <a:p>
-                <a:pPr/>
-                <a14:m>
-                  <m:oMathPara xmlns:m="http://schemas.openxmlformats.org/officeDocument/2006/math">
-                    <m:oMathParaPr>
-                      <m:jc m:val="centerGroup"/>
-                    </m:oMathParaPr>
-                    <m:oMath xmlns:m="http://schemas.openxmlformats.org/officeDocument/2006/math">
-                      <m:r>
-                        <m:rPr>
-                          <m:sty m:val="p"/>
-                        </m:rPr>
-                        <a:rPr lang="en-US" sz="2800" b="0" i="0" dirty="0" smtClean="0">
-                          <a:solidFill>
-                            <a:srgbClr val="C00000"/>
-                          </a:solidFill>
-                          <a:latin typeface="Cambria Math" panose="02040503050406030204" pitchFamily="18" charset="0"/>
-                        </a:rPr>
-                        <m:t>E</m:t>
-                      </m:r>
-                      <m:d>
-                        <m:dPr>
-                          <m:begChr m:val="["/>
-                          <m:endChr m:val="]"/>
-                          <m:ctrlPr>
-                            <a:rPr lang="en-US" sz="2800" b="0" i="1" dirty="0" smtClean="0">
-                              <a:solidFill>
-                                <a:srgbClr val="C00000"/>
-                              </a:solidFill>
-                              <a:latin typeface="Cambria Math" panose="02040503050406030204" pitchFamily="18" charset="0"/>
-                            </a:rPr>
-                          </m:ctrlPr>
-                        </m:dPr>
-                        <m:e>
-                          <m:sSup>
-                            <m:sSupPr>
-                              <m:ctrlPr>
-                                <a:rPr lang="en-US" sz="2800" b="0" i="1" dirty="0" smtClean="0">
-                                  <a:solidFill>
-                                    <a:srgbClr val="C00000"/>
-                                  </a:solidFill>
-                                  <a:latin typeface="Cambria Math" panose="02040503050406030204" pitchFamily="18" charset="0"/>
-                                </a:rPr>
-                              </m:ctrlPr>
-                            </m:sSupPr>
-                            <m:e>
-                              <m:r>
-                                <a:rPr lang="en-US" sz="2800" b="0" i="1" dirty="0" smtClean="0">
-                                  <a:solidFill>
-                                    <a:srgbClr val="C00000"/>
-                                  </a:solidFill>
-                                  <a:latin typeface="Cambria Math" panose="02040503050406030204" pitchFamily="18" charset="0"/>
-                                </a:rPr>
-                                <m:t>𝑋</m:t>
-                              </m:r>
-                            </m:e>
-                            <m:sup>
-                              <m:r>
-                                <a:rPr lang="en-US" sz="2800" b="0" i="1" dirty="0" smtClean="0">
-                                  <a:solidFill>
-                                    <a:srgbClr val="C00000"/>
-                                  </a:solidFill>
-                                  <a:latin typeface="Cambria Math" panose="02040503050406030204" pitchFamily="18" charset="0"/>
-                                </a:rPr>
-                                <m:t>𝑝</m:t>
-                              </m:r>
-                            </m:sup>
-                          </m:sSup>
-                        </m:e>
-                      </m:d>
-                      <m:r>
-                        <a:rPr lang="en-US" sz="2800" b="0" i="1" dirty="0" smtClean="0">
-                          <a:solidFill>
-                            <a:srgbClr val="C00000"/>
-                          </a:solidFill>
-                          <a:latin typeface="Cambria Math" panose="02040503050406030204" pitchFamily="18" charset="0"/>
-                        </a:rPr>
-                        <m:t>=</m:t>
-                      </m:r>
-                      <m:nary>
-                        <m:naryPr>
-                          <m:chr m:val="∑"/>
-                          <m:supHide m:val="on"/>
-                          <m:ctrlPr>
-                            <a:rPr lang="en-US" sz="2800" b="0" i="1" dirty="0" smtClean="0">
-                              <a:solidFill>
-                                <a:srgbClr val="C00000"/>
-                              </a:solidFill>
-                              <a:latin typeface="Cambria Math" panose="02040503050406030204" pitchFamily="18" charset="0"/>
-                            </a:rPr>
-                          </m:ctrlPr>
-                        </m:naryPr>
-                        <m:sub>
-                          <m:r>
-                            <m:rPr>
-                              <m:brk m:alnAt="7"/>
-                            </m:rPr>
-                            <a:rPr lang="en-US" sz="2800" b="0" i="1" dirty="0" smtClean="0">
-                              <a:solidFill>
-                                <a:srgbClr val="C00000"/>
-                              </a:solidFill>
-                              <a:latin typeface="Cambria Math" panose="02040503050406030204" pitchFamily="18" charset="0"/>
-                            </a:rPr>
-                            <m:t>𝑥</m:t>
-                          </m:r>
-                          <m:r>
-                            <a:rPr lang="en-US" sz="2800" b="0" i="1" dirty="0" smtClean="0">
-                              <a:solidFill>
-                                <a:srgbClr val="C00000"/>
-                              </a:solidFill>
-                              <a:latin typeface="Cambria Math" panose="02040503050406030204" pitchFamily="18" charset="0"/>
-                            </a:rPr>
-                            <m:t>∈</m:t>
-                          </m:r>
-                          <m:r>
-                            <m:rPr>
-                              <m:sty m:val="p"/>
-                            </m:rPr>
-                            <a:rPr lang="en-US" sz="2800" b="0" i="0" dirty="0" smtClean="0">
-                              <a:solidFill>
-                                <a:srgbClr val="C00000"/>
-                              </a:solidFill>
-                              <a:latin typeface="Cambria Math" panose="02040503050406030204" pitchFamily="18" charset="0"/>
-                            </a:rPr>
-                            <m:t>Ω</m:t>
-                          </m:r>
-                        </m:sub>
-                        <m:sup/>
-                        <m:e>
-                          <m:r>
-                            <m:rPr>
-                              <m:sty m:val="p"/>
-                            </m:rPr>
-                            <a:rPr lang="en-US" sz="2800" b="0" i="0" dirty="0" smtClean="0">
-                              <a:solidFill>
-                                <a:srgbClr val="C00000"/>
-                              </a:solidFill>
-                              <a:latin typeface="Cambria Math" panose="02040503050406030204" pitchFamily="18" charset="0"/>
-                            </a:rPr>
-                            <m:t>Pr</m:t>
-                          </m:r>
-                          <m:d>
-                            <m:dPr>
-                              <m:begChr m:val="["/>
-                              <m:endChr m:val="]"/>
-                              <m:ctrlPr>
-                                <a:rPr lang="en-US" sz="2800" b="0" i="1" dirty="0" smtClean="0">
-                                  <a:solidFill>
-                                    <a:srgbClr val="C00000"/>
-                                  </a:solidFill>
-                                  <a:latin typeface="Cambria Math" panose="02040503050406030204" pitchFamily="18" charset="0"/>
-                                </a:rPr>
-                              </m:ctrlPr>
-                            </m:dPr>
-                            <m:e>
-                              <m:r>
-                                <a:rPr lang="en-US" sz="2800" b="0" i="1" dirty="0" smtClean="0">
-                                  <a:solidFill>
-                                    <a:srgbClr val="C00000"/>
-                                  </a:solidFill>
-                                  <a:latin typeface="Cambria Math" panose="02040503050406030204" pitchFamily="18" charset="0"/>
-                                </a:rPr>
-                                <m:t>𝑋</m:t>
-                              </m:r>
-                              <m:r>
-                                <a:rPr lang="en-US" sz="2800" b="0" i="1" dirty="0" smtClean="0">
-                                  <a:solidFill>
-                                    <a:srgbClr val="C00000"/>
-                                  </a:solidFill>
-                                  <a:latin typeface="Cambria Math" panose="02040503050406030204" pitchFamily="18" charset="0"/>
-                                </a:rPr>
-                                <m:t>=</m:t>
-                              </m:r>
-                              <m:r>
-                                <a:rPr lang="en-US" sz="2800" b="0" i="1" dirty="0" smtClean="0">
-                                  <a:solidFill>
-                                    <a:srgbClr val="C00000"/>
-                                  </a:solidFill>
-                                  <a:latin typeface="Cambria Math" panose="02040503050406030204" pitchFamily="18" charset="0"/>
-                                </a:rPr>
-                                <m:t>𝑥</m:t>
-                              </m:r>
-                            </m:e>
-                          </m:d>
-                          <m:r>
-                            <a:rPr lang="en-US" sz="2800" b="0" i="1" dirty="0" smtClean="0">
-                              <a:solidFill>
-                                <a:srgbClr val="C00000"/>
-                              </a:solidFill>
-                              <a:latin typeface="Cambria Math" panose="02040503050406030204" pitchFamily="18" charset="0"/>
-                            </a:rPr>
-                            <m:t>⋅</m:t>
-                          </m:r>
-                          <m:sSup>
-                            <m:sSupPr>
-                              <m:ctrlPr>
-                                <a:rPr lang="en-US" sz="2800" b="0" i="1" dirty="0" smtClean="0">
-                                  <a:solidFill>
-                                    <a:srgbClr val="C00000"/>
-                                  </a:solidFill>
-                                  <a:latin typeface="Cambria Math" panose="02040503050406030204" pitchFamily="18" charset="0"/>
-                                </a:rPr>
-                              </m:ctrlPr>
-                            </m:sSupPr>
-                            <m:e>
-                              <m:r>
-                                <a:rPr lang="en-US" sz="2800" b="0" i="1" dirty="0" smtClean="0">
-                                  <a:solidFill>
-                                    <a:srgbClr val="C00000"/>
-                                  </a:solidFill>
-                                  <a:latin typeface="Cambria Math" panose="02040503050406030204" pitchFamily="18" charset="0"/>
-                                </a:rPr>
-                                <m:t>𝑥</m:t>
-                              </m:r>
-                            </m:e>
-                            <m:sup>
-                              <m:r>
-                                <a:rPr lang="en-US" sz="2800" b="0" i="1" dirty="0" smtClean="0">
-                                  <a:solidFill>
-                                    <a:srgbClr val="C00000"/>
-                                  </a:solidFill>
-                                  <a:latin typeface="Cambria Math" panose="02040503050406030204" pitchFamily="18" charset="0"/>
-                                </a:rPr>
-                                <m:t>𝑝</m:t>
-                              </m:r>
-                            </m:sup>
-                          </m:sSup>
-                        </m:e>
-                      </m:nary>
-                    </m:oMath>
-                  </m:oMathPara>
-                </a14:m>
-                <a:endParaRPr lang="en-US" sz="2800" dirty="0"/>
-              </a:p>
-            </p:txBody>
-          </p:sp>
-        </mc:Choice>
-        <mc:Fallback xmlns="">
-          <p:sp>
-            <p:nvSpPr>
-              <p:cNvPr id="5" name="TextBox 4">
-                <a:extLst>
-                  <a:ext uri="{FF2B5EF4-FFF2-40B4-BE49-F238E27FC236}">
-                    <a16:creationId xmlns:a16="http://schemas.microsoft.com/office/drawing/2014/main" id="{A2DE4CEA-73D7-CD0E-D451-149152B610B0}"/>
-                  </a:ext>
-                </a:extLst>
-              </p:cNvPr>
-              <p:cNvSpPr txBox="1">
-                <a:spLocks noRot="1" noChangeAspect="1" noMove="1" noResize="1" noEditPoints="1" noAdjustHandles="1" noChangeArrowheads="1" noChangeShapeType="1" noTextEdit="1"/>
-              </p:cNvSpPr>
-              <p:nvPr/>
-            </p:nvSpPr>
-            <p:spPr>
-              <a:xfrm>
-                <a:off x="2877670" y="2356828"/>
-                <a:ext cx="6096000" cy="1137876"/>
-              </a:xfrm>
-              <a:prstGeom prst="rect">
-                <a:avLst/>
-              </a:prstGeom>
-              <a:blipFill>
-                <a:blip r:embed="rId3"/>
-                <a:stretch>
-                  <a:fillRect/>
-                </a:stretch>
-              </a:blipFill>
-            </p:spPr>
-            <p:txBody>
-              <a:bodyPr/>
-              <a:lstStyle/>
-              <a:p>
-                <a:r>
-                  <a:rPr lang="en-US">
-                    <a:noFill/>
-                  </a:rPr>
-                  <a:t> </a:t>
-                </a:r>
-              </a:p>
-            </p:txBody>
-          </p:sp>
-        </mc:Fallback>
-      </mc:AlternateContent>
-    </p:spTree>
-    <p:extLst>
-      <p:ext uri="{BB962C8B-B14F-4D97-AF65-F5344CB8AC3E}">
-        <p14:creationId xmlns:p14="http://schemas.microsoft.com/office/powerpoint/2010/main" val="4043661276"/>
-      </p:ext>
-    </p:extLst>
-  </p:cSld>
-  <p:clrMapOvr>
-    <a:masterClrMapping/>
-  </p:clrMapOvr>
-</p:sld>
-</file>
-
-<file path=ppt/slides/slide35.xml><?xml version="1.0" encoding="utf-8"?>
-<p:sld xmlns:a="http://schemas.openxmlformats.org/drawingml/2006/main" xmlns:r="http://schemas.openxmlformats.org/officeDocument/2006/relationships" xmlns:p="http://schemas.openxmlformats.org/presentationml/2006/main">
-  <p:cSld>
-    <p:spTree>
-      <p:nvGrpSpPr>
-        <p:cNvPr id="1" name=""/>
-        <p:cNvGrpSpPr/>
-        <p:nvPr/>
-      </p:nvGrpSpPr>
-      <p:grpSpPr>
-        <a:xfrm>
-          <a:off x="0" y="0"/>
-          <a:ext cx="0" cy="0"/>
-          <a:chOff x="0" y="0"/>
-          <a:chExt cx="0" cy="0"/>
-        </a:xfrm>
-      </p:grpSpPr>
-      <p:sp>
-        <p:nvSpPr>
-          <p:cNvPr id="2" name="Title 1">
-            <a:extLst>
-              <a:ext uri="{FF2B5EF4-FFF2-40B4-BE49-F238E27FC236}">
-                <a16:creationId xmlns:a16="http://schemas.microsoft.com/office/drawing/2014/main" id="{A49DDC00-2744-B7F9-8394-609BE1AEC413}"/>
-              </a:ext>
-            </a:extLst>
-          </p:cNvPr>
-          <p:cNvSpPr>
-            <a:spLocks noGrp="1"/>
-          </p:cNvSpPr>
-          <p:nvPr>
-            <p:ph type="title"/>
-          </p:nvPr>
-        </p:nvSpPr>
-        <p:spPr/>
-        <p:txBody>
-          <a:bodyPr/>
-          <a:lstStyle/>
-          <a:p>
-            <a:r>
-              <a:rPr lang="en-US" dirty="0">
-                <a:solidFill>
-                  <a:srgbClr val="C00000"/>
-                </a:solidFill>
-              </a:rPr>
-              <a:t>Variance</a:t>
-            </a:r>
-            <a:endParaRPr lang="en-US" dirty="0"/>
-          </a:p>
-        </p:txBody>
-      </p:sp>
-      <mc:AlternateContent xmlns:mc="http://schemas.openxmlformats.org/markup-compatibility/2006" xmlns:a14="http://schemas.microsoft.com/office/drawing/2010/main">
-        <mc:Choice Requires="a14">
-          <p:sp>
-            <p:nvSpPr>
-              <p:cNvPr id="3" name="Content Placeholder 2">
-                <a:extLst>
-                  <a:ext uri="{FF2B5EF4-FFF2-40B4-BE49-F238E27FC236}">
-                    <a16:creationId xmlns:a16="http://schemas.microsoft.com/office/drawing/2014/main" id="{6666941B-6AAA-DFD0-8896-ACB1B4FE2AC6}"/>
-                  </a:ext>
-                </a:extLst>
-              </p:cNvPr>
-              <p:cNvSpPr>
-                <a:spLocks noGrp="1"/>
-              </p:cNvSpPr>
-              <p:nvPr>
-                <p:ph idx="1"/>
-              </p:nvPr>
-            </p:nvSpPr>
-            <p:spPr>
-              <a:xfrm>
-                <a:off x="838200" y="1825625"/>
-                <a:ext cx="10515600" cy="4667250"/>
-              </a:xfrm>
-            </p:spPr>
-            <p:txBody>
-              <a:bodyPr>
-                <a:normAutofit/>
-              </a:bodyPr>
-              <a:lstStyle/>
-              <a:p>
-                <a:r>
-                  <a:rPr lang="en-US" dirty="0"/>
-                  <a:t>The variance of a random variable </a:t>
-                </a:r>
-                <a14:m>
-                  <m:oMath xmlns:m="http://schemas.openxmlformats.org/officeDocument/2006/math">
-                    <m:r>
-                      <a:rPr lang="en-US" b="0" i="1" dirty="0" smtClean="0">
-                        <a:solidFill>
-                          <a:srgbClr val="C00000"/>
-                        </a:solidFill>
-                        <a:latin typeface="Cambria Math" panose="02040503050406030204" pitchFamily="18" charset="0"/>
-                      </a:rPr>
-                      <m:t>𝑋</m:t>
-                    </m:r>
-                  </m:oMath>
-                </a14:m>
-                <a:r>
-                  <a:rPr lang="en-US" dirty="0"/>
-                  <a:t> over </a:t>
-                </a:r>
-                <a14:m>
-                  <m:oMath xmlns:m="http://schemas.openxmlformats.org/officeDocument/2006/math">
-                    <m:r>
-                      <m:rPr>
-                        <m:sty m:val="p"/>
-                      </m:rPr>
-                      <a:rPr lang="en-US" b="0" i="0" dirty="0" smtClean="0">
-                        <a:solidFill>
-                          <a:srgbClr val="C00000"/>
-                        </a:solidFill>
-                        <a:latin typeface="Cambria Math" panose="02040503050406030204" pitchFamily="18" charset="0"/>
-                      </a:rPr>
-                      <m:t>Ω</m:t>
-                    </m:r>
-                  </m:oMath>
-                </a14:m>
-                <a:r>
-                  <a:rPr lang="en-US" dirty="0"/>
-                  <a:t> is:</a:t>
-                </a:r>
-              </a:p>
-              <a:p>
-                <a:endParaRPr lang="en-US" dirty="0"/>
-              </a:p>
-              <a:p>
-                <a:endParaRPr lang="en-US" dirty="0"/>
-              </a:p>
-              <a:p>
-                <a:endParaRPr lang="en-US" dirty="0"/>
-              </a:p>
-              <a:p>
-                <a:pPr>
-                  <a:buClr>
-                    <a:schemeClr val="tx1"/>
-                  </a:buClr>
-                </a:pPr>
-                <a:r>
-                  <a:rPr lang="en-US" dirty="0"/>
-                  <a:t>Linearity of variance for </a:t>
-                </a:r>
-                <a:r>
-                  <a:rPr lang="en-US" i="1" dirty="0">
-                    <a:solidFill>
-                      <a:srgbClr val="00B050"/>
-                    </a:solidFill>
-                  </a:rPr>
-                  <a:t>independent</a:t>
-                </a:r>
-                <a:r>
-                  <a:rPr lang="en-US" dirty="0"/>
-                  <a:t> random variables: </a:t>
-                </a:r>
-                <a14:m>
-                  <m:oMath xmlns:m="http://schemas.openxmlformats.org/officeDocument/2006/math">
-                    <m:r>
-                      <m:rPr>
-                        <m:sty m:val="p"/>
-                      </m:rPr>
-                      <a:rPr lang="en-US" sz="2800" b="0" i="0" dirty="0" smtClean="0">
-                        <a:solidFill>
-                          <a:srgbClr val="C00000"/>
-                        </a:solidFill>
-                        <a:latin typeface="Cambria Math" panose="02040503050406030204" pitchFamily="18" charset="0"/>
-                      </a:rPr>
-                      <m:t>Var</m:t>
-                    </m:r>
-                    <m:d>
-                      <m:dPr>
-                        <m:begChr m:val="["/>
-                        <m:endChr m:val="]"/>
-                        <m:ctrlPr>
-                          <a:rPr lang="en-US" sz="2800" b="0" i="1" dirty="0" smtClean="0">
-                            <a:solidFill>
-                              <a:srgbClr val="C00000"/>
-                            </a:solidFill>
-                            <a:latin typeface="Cambria Math" panose="02040503050406030204" pitchFamily="18" charset="0"/>
-                          </a:rPr>
-                        </m:ctrlPr>
-                      </m:dPr>
-                      <m:e>
-                        <m:r>
-                          <a:rPr lang="en-US" sz="2800" b="0" i="1" dirty="0" smtClean="0">
-                            <a:solidFill>
-                              <a:srgbClr val="C00000"/>
-                            </a:solidFill>
-                            <a:latin typeface="Cambria Math" panose="02040503050406030204" pitchFamily="18" charset="0"/>
-                          </a:rPr>
-                          <m:t>𝑋</m:t>
-                        </m:r>
-                        <m:r>
-                          <a:rPr lang="en-US" sz="2800" b="0" i="1" dirty="0" smtClean="0">
-                            <a:solidFill>
-                              <a:srgbClr val="C00000"/>
-                            </a:solidFill>
-                            <a:latin typeface="Cambria Math" panose="02040503050406030204" pitchFamily="18" charset="0"/>
-                          </a:rPr>
-                          <m:t>+</m:t>
-                        </m:r>
-                        <m:r>
-                          <a:rPr lang="en-US" sz="2800" b="0" i="1" dirty="0" smtClean="0">
-                            <a:solidFill>
-                              <a:srgbClr val="C00000"/>
-                            </a:solidFill>
-                            <a:latin typeface="Cambria Math" panose="02040503050406030204" pitchFamily="18" charset="0"/>
-                          </a:rPr>
-                          <m:t>𝑌</m:t>
-                        </m:r>
-                      </m:e>
-                    </m:d>
-                    <m:r>
-                      <a:rPr lang="en-US" i="1" dirty="0">
-                        <a:solidFill>
-                          <a:srgbClr val="C00000"/>
-                        </a:solidFill>
-                        <a:latin typeface="Cambria Math" panose="02040503050406030204" pitchFamily="18" charset="0"/>
-                      </a:rPr>
-                      <m:t>=</m:t>
-                    </m:r>
-                    <m:r>
-                      <m:rPr>
-                        <m:sty m:val="p"/>
-                      </m:rPr>
-                      <a:rPr lang="en-US" b="0" i="0" dirty="0" smtClean="0">
-                        <a:solidFill>
-                          <a:srgbClr val="C00000"/>
-                        </a:solidFill>
-                        <a:latin typeface="Cambria Math" panose="02040503050406030204" pitchFamily="18" charset="0"/>
-                      </a:rPr>
-                      <m:t>Var</m:t>
-                    </m:r>
-                    <m:d>
-                      <m:dPr>
-                        <m:begChr m:val="["/>
-                        <m:endChr m:val="]"/>
-                        <m:ctrlPr>
-                          <a:rPr lang="en-US" i="1" dirty="0">
-                            <a:solidFill>
-                              <a:srgbClr val="C00000"/>
-                            </a:solidFill>
-                            <a:latin typeface="Cambria Math" panose="02040503050406030204" pitchFamily="18" charset="0"/>
-                          </a:rPr>
-                        </m:ctrlPr>
-                      </m:dPr>
-                      <m:e>
-                        <m:r>
-                          <a:rPr lang="en-US" i="1" dirty="0">
-                            <a:solidFill>
-                              <a:srgbClr val="C00000"/>
-                            </a:solidFill>
-                            <a:latin typeface="Cambria Math" panose="02040503050406030204" pitchFamily="18" charset="0"/>
-                          </a:rPr>
-                          <m:t>𝑋</m:t>
-                        </m:r>
-                      </m:e>
-                    </m:d>
-                    <m:r>
-                      <a:rPr lang="en-US" b="0" i="0" dirty="0" smtClean="0">
-                        <a:solidFill>
-                          <a:srgbClr val="C00000"/>
-                        </a:solidFill>
-                        <a:latin typeface="Cambria Math" panose="02040503050406030204" pitchFamily="18" charset="0"/>
-                      </a:rPr>
-                      <m:t>+</m:t>
-                    </m:r>
-                    <m:r>
-                      <m:rPr>
-                        <m:sty m:val="p"/>
-                      </m:rPr>
-                      <a:rPr lang="en-US" b="0" i="0" dirty="0" smtClean="0">
-                        <a:solidFill>
-                          <a:srgbClr val="C00000"/>
-                        </a:solidFill>
-                        <a:latin typeface="Cambria Math" panose="02040503050406030204" pitchFamily="18" charset="0"/>
-                      </a:rPr>
-                      <m:t>Var</m:t>
-                    </m:r>
-                    <m:d>
-                      <m:dPr>
-                        <m:begChr m:val="["/>
-                        <m:endChr m:val="]"/>
-                        <m:ctrlPr>
-                          <a:rPr lang="en-US" i="1" dirty="0">
-                            <a:solidFill>
-                              <a:srgbClr val="C00000"/>
-                            </a:solidFill>
-                            <a:latin typeface="Cambria Math" panose="02040503050406030204" pitchFamily="18" charset="0"/>
-                          </a:rPr>
-                        </m:ctrlPr>
-                      </m:dPr>
-                      <m:e>
-                        <m:r>
-                          <a:rPr lang="en-US" b="0" i="1" dirty="0" smtClean="0">
-                            <a:solidFill>
-                              <a:srgbClr val="C00000"/>
-                            </a:solidFill>
-                            <a:latin typeface="Cambria Math" panose="02040503050406030204" pitchFamily="18" charset="0"/>
-                          </a:rPr>
-                          <m:t>𝑌</m:t>
-                        </m:r>
-                      </m:e>
-                    </m:d>
-                  </m:oMath>
-                </a14:m>
-                <a:endParaRPr lang="en-US" dirty="0"/>
-              </a:p>
-              <a:p>
-                <a:pPr>
-                  <a:buClr>
-                    <a:schemeClr val="tx1"/>
-                  </a:buClr>
-                </a:pPr>
-                <a:endParaRPr lang="en-US" dirty="0"/>
-              </a:p>
-              <a:p>
-                <a:pPr>
-                  <a:buClr>
-                    <a:schemeClr val="tx1"/>
-                  </a:buClr>
-                </a:pPr>
-                <a:r>
-                  <a:rPr lang="en-US" dirty="0"/>
-                  <a:t>“How far numbers are from the average”</a:t>
-                </a:r>
-              </a:p>
-            </p:txBody>
-          </p:sp>
-        </mc:Choice>
-        <mc:Fallback xmlns="">
-          <p:sp>
-            <p:nvSpPr>
-              <p:cNvPr id="3" name="Content Placeholder 2">
-                <a:extLst>
-                  <a:ext uri="{FF2B5EF4-FFF2-40B4-BE49-F238E27FC236}">
-                    <a16:creationId xmlns:a16="http://schemas.microsoft.com/office/drawing/2014/main" id="{6666941B-6AAA-DFD0-8896-ACB1B4FE2AC6}"/>
-                  </a:ext>
-                </a:extLst>
-              </p:cNvPr>
-              <p:cNvSpPr>
-                <a:spLocks noGrp="1" noRot="1" noChangeAspect="1" noMove="1" noResize="1" noEditPoints="1" noAdjustHandles="1" noChangeArrowheads="1" noChangeShapeType="1" noTextEdit="1"/>
-              </p:cNvSpPr>
-              <p:nvPr>
-                <p:ph idx="1"/>
-              </p:nvPr>
-            </p:nvSpPr>
-            <p:spPr>
-              <a:xfrm>
-                <a:off x="838200" y="1825625"/>
-                <a:ext cx="10515600" cy="4667250"/>
-              </a:xfrm>
-              <a:blipFill>
-                <a:blip r:embed="rId2"/>
-                <a:stretch>
-                  <a:fillRect l="-1043" t="-2089"/>
-                </a:stretch>
-              </a:blipFill>
-            </p:spPr>
-            <p:txBody>
-              <a:bodyPr/>
-              <a:lstStyle/>
-              <a:p>
-                <a:r>
-                  <a:rPr lang="en-US">
-                    <a:noFill/>
-                  </a:rPr>
-                  <a:t> </a:t>
-                </a:r>
-              </a:p>
-            </p:txBody>
-          </p:sp>
-        </mc:Fallback>
-      </mc:AlternateContent>
-      <mc:AlternateContent xmlns:mc="http://schemas.openxmlformats.org/markup-compatibility/2006" xmlns:a14="http://schemas.microsoft.com/office/drawing/2010/main">
-        <mc:Choice Requires="a14">
-          <p:sp>
-            <p:nvSpPr>
-              <p:cNvPr id="5" name="TextBox 4">
-                <a:extLst>
-                  <a:ext uri="{FF2B5EF4-FFF2-40B4-BE49-F238E27FC236}">
-                    <a16:creationId xmlns:a16="http://schemas.microsoft.com/office/drawing/2014/main" id="{A2DE4CEA-73D7-CD0E-D451-149152B610B0}"/>
-                  </a:ext>
-                </a:extLst>
-              </p:cNvPr>
-              <p:cNvSpPr txBox="1"/>
-              <p:nvPr/>
-            </p:nvSpPr>
-            <p:spPr>
-              <a:xfrm>
-                <a:off x="2877670" y="2356828"/>
-                <a:ext cx="6096000" cy="523220"/>
-              </a:xfrm>
-              <a:prstGeom prst="rect">
-                <a:avLst/>
-              </a:prstGeom>
-              <a:noFill/>
-            </p:spPr>
-            <p:txBody>
-              <a:bodyPr wrap="square">
-                <a:spAutoFit/>
-              </a:bodyPr>
-              <a:lstStyle/>
-              <a:p>
-                <a:pPr/>
-                <a14:m>
-                  <m:oMathPara xmlns:m="http://schemas.openxmlformats.org/officeDocument/2006/math">
-                    <m:oMathParaPr>
-                      <m:jc m:val="centerGroup"/>
-                    </m:oMathParaPr>
-                    <m:oMath xmlns:m="http://schemas.openxmlformats.org/officeDocument/2006/math">
-                      <m:r>
-                        <m:rPr>
-                          <m:sty m:val="p"/>
-                        </m:rPr>
-                        <a:rPr lang="en-US" sz="2800" b="0" i="0" dirty="0" smtClean="0">
-                          <a:solidFill>
-                            <a:srgbClr val="C00000"/>
-                          </a:solidFill>
-                          <a:latin typeface="Cambria Math" panose="02040503050406030204" pitchFamily="18" charset="0"/>
-                        </a:rPr>
-                        <m:t>Var</m:t>
-                      </m:r>
-                      <m:d>
-                        <m:dPr>
-                          <m:begChr m:val="["/>
-                          <m:endChr m:val="]"/>
-                          <m:ctrlPr>
-                            <a:rPr lang="en-US" sz="2800" b="0" i="1" dirty="0" smtClean="0">
-                              <a:solidFill>
-                                <a:srgbClr val="C00000"/>
-                              </a:solidFill>
-                              <a:latin typeface="Cambria Math" panose="02040503050406030204" pitchFamily="18" charset="0"/>
-                            </a:rPr>
-                          </m:ctrlPr>
-                        </m:dPr>
-                        <m:e>
-                          <m:r>
-                            <a:rPr lang="en-US" sz="2800" b="0" i="1" dirty="0" smtClean="0">
-                              <a:solidFill>
-                                <a:srgbClr val="C00000"/>
-                              </a:solidFill>
-                              <a:latin typeface="Cambria Math" panose="02040503050406030204" pitchFamily="18" charset="0"/>
-                            </a:rPr>
-                            <m:t>𝑋</m:t>
-                          </m:r>
-                        </m:e>
-                      </m:d>
-                      <m:r>
-                        <a:rPr lang="en-US" sz="2800" b="0" i="1" dirty="0" smtClean="0">
-                          <a:solidFill>
-                            <a:srgbClr val="C00000"/>
-                          </a:solidFill>
-                          <a:latin typeface="Cambria Math" panose="02040503050406030204" pitchFamily="18" charset="0"/>
-                        </a:rPr>
-                        <m:t>=</m:t>
-                      </m:r>
-                      <m:r>
-                        <m:rPr>
-                          <m:sty m:val="p"/>
-                        </m:rPr>
-                        <a:rPr lang="en-US" sz="2800" b="0" i="0" dirty="0" smtClean="0">
-                          <a:solidFill>
-                            <a:srgbClr val="C00000"/>
-                          </a:solidFill>
-                          <a:latin typeface="Cambria Math" panose="02040503050406030204" pitchFamily="18" charset="0"/>
-                        </a:rPr>
-                        <m:t>E</m:t>
-                      </m:r>
-                      <m:d>
-                        <m:dPr>
-                          <m:begChr m:val="["/>
-                          <m:endChr m:val="]"/>
-                          <m:ctrlPr>
-                            <a:rPr lang="en-US" sz="2800" b="0" i="1" dirty="0" smtClean="0">
-                              <a:solidFill>
-                                <a:srgbClr val="C00000"/>
-                              </a:solidFill>
-                              <a:latin typeface="Cambria Math" panose="02040503050406030204" pitchFamily="18" charset="0"/>
-                            </a:rPr>
-                          </m:ctrlPr>
-                        </m:dPr>
-                        <m:e>
-                          <m:sSup>
-                            <m:sSupPr>
-                              <m:ctrlPr>
-                                <a:rPr lang="en-US" sz="2800" b="0" i="1" dirty="0" smtClean="0">
-                                  <a:solidFill>
-                                    <a:srgbClr val="C00000"/>
-                                  </a:solidFill>
-                                  <a:latin typeface="Cambria Math" panose="02040503050406030204" pitchFamily="18" charset="0"/>
-                                </a:rPr>
-                              </m:ctrlPr>
-                            </m:sSupPr>
-                            <m:e>
-                              <m:r>
-                                <a:rPr lang="en-US" sz="2800" b="0" i="1" dirty="0" smtClean="0">
-                                  <a:solidFill>
-                                    <a:srgbClr val="C00000"/>
-                                  </a:solidFill>
-                                  <a:latin typeface="Cambria Math" panose="02040503050406030204" pitchFamily="18" charset="0"/>
-                                </a:rPr>
-                                <m:t>𝑋</m:t>
-                              </m:r>
-                            </m:e>
-                            <m:sup>
-                              <m:r>
-                                <a:rPr lang="en-US" sz="2800" b="0" i="1" dirty="0" smtClean="0">
-                                  <a:solidFill>
-                                    <a:srgbClr val="C00000"/>
-                                  </a:solidFill>
-                                  <a:latin typeface="Cambria Math" panose="02040503050406030204" pitchFamily="18" charset="0"/>
-                                </a:rPr>
-                                <m:t>2</m:t>
-                              </m:r>
-                            </m:sup>
-                          </m:sSup>
-                        </m:e>
-                      </m:d>
-                      <m:r>
-                        <a:rPr lang="en-US" sz="2800" b="0" i="1" dirty="0" smtClean="0">
-                          <a:solidFill>
-                            <a:srgbClr val="C00000"/>
-                          </a:solidFill>
-                          <a:latin typeface="Cambria Math" panose="02040503050406030204" pitchFamily="18" charset="0"/>
-                        </a:rPr>
-                        <m:t>−</m:t>
-                      </m:r>
-                      <m:sSup>
-                        <m:sSupPr>
-                          <m:ctrlPr>
-                            <a:rPr lang="en-US" sz="2800" b="0" i="1" dirty="0" smtClean="0">
-                              <a:solidFill>
-                                <a:srgbClr val="C00000"/>
-                              </a:solidFill>
-                              <a:latin typeface="Cambria Math" panose="02040503050406030204" pitchFamily="18" charset="0"/>
-                            </a:rPr>
-                          </m:ctrlPr>
-                        </m:sSupPr>
-                        <m:e>
-                          <m:d>
-                            <m:dPr>
-                              <m:ctrlPr>
-                                <a:rPr lang="en-US" sz="2800" b="0" i="1" dirty="0" smtClean="0">
-                                  <a:solidFill>
-                                    <a:srgbClr val="C00000"/>
-                                  </a:solidFill>
-                                  <a:latin typeface="Cambria Math" panose="02040503050406030204" pitchFamily="18" charset="0"/>
-                                </a:rPr>
-                              </m:ctrlPr>
-                            </m:dPr>
-                            <m:e>
-                              <m:r>
-                                <m:rPr>
-                                  <m:sty m:val="p"/>
-                                </m:rPr>
-                                <a:rPr lang="en-US" sz="2800" b="0" i="0" dirty="0" smtClean="0">
-                                  <a:solidFill>
-                                    <a:srgbClr val="C00000"/>
-                                  </a:solidFill>
-                                  <a:latin typeface="Cambria Math" panose="02040503050406030204" pitchFamily="18" charset="0"/>
-                                </a:rPr>
-                                <m:t>E</m:t>
-                              </m:r>
-                              <m:d>
-                                <m:dPr>
-                                  <m:begChr m:val="["/>
-                                  <m:endChr m:val="]"/>
-                                  <m:ctrlPr>
-                                    <a:rPr lang="en-US" sz="2800" b="0" i="1" dirty="0" smtClean="0">
-                                      <a:solidFill>
-                                        <a:srgbClr val="C00000"/>
-                                      </a:solidFill>
-                                      <a:latin typeface="Cambria Math" panose="02040503050406030204" pitchFamily="18" charset="0"/>
-                                    </a:rPr>
-                                  </m:ctrlPr>
-                                </m:dPr>
-                                <m:e>
-                                  <m:r>
-                                    <a:rPr lang="en-US" sz="2800" b="0" i="1" dirty="0" smtClean="0">
-                                      <a:solidFill>
-                                        <a:srgbClr val="C00000"/>
-                                      </a:solidFill>
-                                      <a:latin typeface="Cambria Math" panose="02040503050406030204" pitchFamily="18" charset="0"/>
-                                    </a:rPr>
-                                    <m:t>𝑋</m:t>
-                                  </m:r>
-                                </m:e>
-                              </m:d>
-                            </m:e>
-                          </m:d>
-                        </m:e>
-                        <m:sup>
-                          <m:r>
-                            <a:rPr lang="en-US" sz="2800" b="0" i="1" dirty="0" smtClean="0">
-                              <a:solidFill>
-                                <a:srgbClr val="C00000"/>
-                              </a:solidFill>
-                              <a:latin typeface="Cambria Math" panose="02040503050406030204" pitchFamily="18" charset="0"/>
-                            </a:rPr>
-                            <m:t>2</m:t>
-                          </m:r>
-                        </m:sup>
-                      </m:sSup>
-                    </m:oMath>
-                  </m:oMathPara>
-                </a14:m>
-                <a:endParaRPr lang="en-US" sz="2800" dirty="0"/>
-              </a:p>
-            </p:txBody>
-          </p:sp>
-        </mc:Choice>
-        <mc:Fallback xmlns="">
-          <p:sp>
-            <p:nvSpPr>
-              <p:cNvPr id="5" name="TextBox 4">
-                <a:extLst>
-                  <a:ext uri="{FF2B5EF4-FFF2-40B4-BE49-F238E27FC236}">
-                    <a16:creationId xmlns:a16="http://schemas.microsoft.com/office/drawing/2014/main" id="{A2DE4CEA-73D7-CD0E-D451-149152B610B0}"/>
-                  </a:ext>
-                </a:extLst>
-              </p:cNvPr>
-              <p:cNvSpPr txBox="1">
-                <a:spLocks noRot="1" noChangeAspect="1" noMove="1" noResize="1" noEditPoints="1" noAdjustHandles="1" noChangeArrowheads="1" noChangeShapeType="1" noTextEdit="1"/>
-              </p:cNvSpPr>
-              <p:nvPr/>
-            </p:nvSpPr>
-            <p:spPr>
-              <a:xfrm>
-                <a:off x="2877670" y="2356828"/>
-                <a:ext cx="6096000" cy="523220"/>
-              </a:xfrm>
-              <a:prstGeom prst="rect">
-                <a:avLst/>
-              </a:prstGeom>
-              <a:blipFill>
-                <a:blip r:embed="rId3"/>
-                <a:stretch>
-                  <a:fillRect/>
-                </a:stretch>
-              </a:blipFill>
-            </p:spPr>
-            <p:txBody>
-              <a:bodyPr/>
-              <a:lstStyle/>
-              <a:p>
-                <a:r>
-                  <a:rPr lang="en-US">
-                    <a:noFill/>
-                  </a:rPr>
-                  <a:t> </a:t>
-                </a:r>
-              </a:p>
-            </p:txBody>
-          </p:sp>
-        </mc:Fallback>
-      </mc:AlternateContent>
-    </p:spTree>
-    <p:extLst>
-      <p:ext uri="{BB962C8B-B14F-4D97-AF65-F5344CB8AC3E}">
-        <p14:creationId xmlns:p14="http://schemas.microsoft.com/office/powerpoint/2010/main" val="2882147992"/>
-      </p:ext>
-    </p:extLst>
-  </p:cSld>
-  <p:clrMapOvr>
-    <a:masterClrMapping/>
-  </p:clrMapOvr>
-</p:sld>
-</file>
-
-<file path=ppt/slides/slide36.xml><?xml version="1.0" encoding="utf-8"?>
-<p:sld xmlns:a="http://schemas.openxmlformats.org/drawingml/2006/main" xmlns:r="http://schemas.openxmlformats.org/officeDocument/2006/relationships" xmlns:p="http://schemas.openxmlformats.org/presentationml/2006/main">
-  <p:cSld>
-    <p:spTree>
-      <p:nvGrpSpPr>
-        <p:cNvPr id="1" name=""/>
-        <p:cNvGrpSpPr/>
-        <p:nvPr/>
-      </p:nvGrpSpPr>
-      <p:grpSpPr>
-        <a:xfrm>
-          <a:off x="0" y="0"/>
-          <a:ext cx="0" cy="0"/>
-          <a:chOff x="0" y="0"/>
-          <a:chExt cx="0" cy="0"/>
-        </a:xfrm>
-      </p:grpSpPr>
-      <p:sp>
-        <p:nvSpPr>
-          <p:cNvPr id="2" name="Title 1">
-            <a:extLst>
-              <a:ext uri="{FF2B5EF4-FFF2-40B4-BE49-F238E27FC236}">
-                <a16:creationId xmlns:a16="http://schemas.microsoft.com/office/drawing/2014/main" id="{A49DDC00-2744-B7F9-8394-609BE1AEC413}"/>
-              </a:ext>
-            </a:extLst>
-          </p:cNvPr>
-          <p:cNvSpPr>
-            <a:spLocks noGrp="1"/>
-          </p:cNvSpPr>
-          <p:nvPr>
-            <p:ph type="title"/>
-          </p:nvPr>
-        </p:nvSpPr>
-        <p:spPr/>
-        <p:txBody>
-          <a:bodyPr/>
-          <a:lstStyle/>
-          <a:p>
-            <a:r>
-              <a:rPr lang="en-US" dirty="0">
-                <a:solidFill>
-                  <a:srgbClr val="C00000"/>
-                </a:solidFill>
-              </a:rPr>
-              <a:t>Variance</a:t>
-            </a:r>
-            <a:endParaRPr lang="en-US" dirty="0"/>
-          </a:p>
-        </p:txBody>
-      </p:sp>
-      <mc:AlternateContent xmlns:mc="http://schemas.openxmlformats.org/markup-compatibility/2006" xmlns:a14="http://schemas.microsoft.com/office/drawing/2010/main">
-        <mc:Choice Requires="a14">
-          <p:sp>
-            <p:nvSpPr>
-              <p:cNvPr id="3" name="Content Placeholder 2">
-                <a:extLst>
-                  <a:ext uri="{FF2B5EF4-FFF2-40B4-BE49-F238E27FC236}">
-                    <a16:creationId xmlns:a16="http://schemas.microsoft.com/office/drawing/2014/main" id="{6666941B-6AAA-DFD0-8896-ACB1B4FE2AC6}"/>
-                  </a:ext>
-                </a:extLst>
-              </p:cNvPr>
-              <p:cNvSpPr>
-                <a:spLocks noGrp="1"/>
-              </p:cNvSpPr>
-              <p:nvPr>
-                <p:ph idx="1"/>
-              </p:nvPr>
-            </p:nvSpPr>
-            <p:spPr>
-              <a:xfrm>
-                <a:off x="838200" y="1825625"/>
-                <a:ext cx="10515600" cy="4667250"/>
-              </a:xfrm>
-            </p:spPr>
-            <p:txBody>
-              <a:bodyPr>
-                <a:normAutofit/>
-              </a:bodyPr>
-              <a:lstStyle/>
-              <a:p>
-                <a:r>
-                  <a:rPr lang="en-US" dirty="0"/>
-                  <a:t>Suppose </a:t>
-                </a:r>
-                <a14:m>
-                  <m:oMath xmlns:m="http://schemas.openxmlformats.org/officeDocument/2006/math">
-                    <m:r>
-                      <a:rPr lang="en-US" b="0" i="1" dirty="0" smtClean="0">
-                        <a:solidFill>
-                          <a:srgbClr val="C00000"/>
-                        </a:solidFill>
-                        <a:latin typeface="Cambria Math" panose="02040503050406030204" pitchFamily="18" charset="0"/>
-                      </a:rPr>
-                      <m:t>𝑋</m:t>
-                    </m:r>
-                  </m:oMath>
-                </a14:m>
-                <a:r>
-                  <a:rPr lang="en-US" dirty="0"/>
-                  <a:t> takes the value </a:t>
-                </a:r>
-                <a14:m>
-                  <m:oMath xmlns:m="http://schemas.openxmlformats.org/officeDocument/2006/math">
-                    <m:r>
-                      <a:rPr lang="en-US" b="0" i="1" dirty="0" smtClean="0">
-                        <a:solidFill>
-                          <a:srgbClr val="C00000"/>
-                        </a:solidFill>
-                        <a:latin typeface="Cambria Math" panose="02040503050406030204" pitchFamily="18" charset="0"/>
-                      </a:rPr>
-                      <m:t>1</m:t>
-                    </m:r>
-                  </m:oMath>
-                </a14:m>
-                <a:r>
-                  <a:rPr lang="en-US" dirty="0"/>
-                  <a:t> with probability </a:t>
-                </a:r>
-                <a14:m>
-                  <m:oMath xmlns:m="http://schemas.openxmlformats.org/officeDocument/2006/math">
-                    <m:f>
-                      <m:fPr>
-                        <m:ctrlPr>
-                          <a:rPr lang="en-US" b="0" i="1" dirty="0" smtClean="0">
-                            <a:solidFill>
-                              <a:srgbClr val="C00000"/>
-                            </a:solidFill>
-                            <a:latin typeface="Cambria Math" panose="02040503050406030204" pitchFamily="18" charset="0"/>
-                          </a:rPr>
-                        </m:ctrlPr>
-                      </m:fPr>
-                      <m:num>
-                        <m:r>
-                          <a:rPr lang="en-US" b="0" i="1" dirty="0" smtClean="0">
-                            <a:solidFill>
-                              <a:srgbClr val="C00000"/>
-                            </a:solidFill>
-                            <a:latin typeface="Cambria Math" panose="02040503050406030204" pitchFamily="18" charset="0"/>
-                          </a:rPr>
-                          <m:t>1</m:t>
-                        </m:r>
-                      </m:num>
-                      <m:den>
-                        <m:r>
-                          <a:rPr lang="en-US" b="0" i="1" dirty="0" smtClean="0">
-                            <a:solidFill>
-                              <a:srgbClr val="C00000"/>
-                            </a:solidFill>
-                            <a:latin typeface="Cambria Math" panose="02040503050406030204" pitchFamily="18" charset="0"/>
-                          </a:rPr>
-                          <m:t>2</m:t>
-                        </m:r>
-                      </m:den>
-                    </m:f>
-                  </m:oMath>
-                </a14:m>
-                <a:r>
-                  <a:rPr lang="en-US" dirty="0"/>
-                  <a:t> and takes the value </a:t>
-                </a:r>
-                <a14:m>
-                  <m:oMath xmlns:m="http://schemas.openxmlformats.org/officeDocument/2006/math">
-                    <m:r>
-                      <a:rPr lang="en-US" b="0" i="1" dirty="0" smtClean="0">
-                        <a:solidFill>
-                          <a:srgbClr val="C00000"/>
-                        </a:solidFill>
-                        <a:latin typeface="Cambria Math" panose="02040503050406030204" pitchFamily="18" charset="0"/>
-                      </a:rPr>
-                      <m:t>−1</m:t>
-                    </m:r>
-                  </m:oMath>
-                </a14:m>
-                <a:r>
-                  <a:rPr lang="en-US" dirty="0"/>
-                  <a:t> with probability </a:t>
-                </a:r>
-                <a14:m>
-                  <m:oMath xmlns:m="http://schemas.openxmlformats.org/officeDocument/2006/math">
-                    <m:f>
-                      <m:fPr>
-                        <m:ctrlPr>
-                          <a:rPr lang="en-US" b="0" i="1" dirty="0" smtClean="0">
-                            <a:solidFill>
-                              <a:srgbClr val="C00000"/>
-                            </a:solidFill>
-                            <a:latin typeface="Cambria Math" panose="02040503050406030204" pitchFamily="18" charset="0"/>
-                          </a:rPr>
-                        </m:ctrlPr>
-                      </m:fPr>
-                      <m:num>
-                        <m:r>
-                          <a:rPr lang="en-US" b="0" i="1" dirty="0" smtClean="0">
-                            <a:solidFill>
-                              <a:srgbClr val="C00000"/>
-                            </a:solidFill>
-                            <a:latin typeface="Cambria Math" panose="02040503050406030204" pitchFamily="18" charset="0"/>
-                          </a:rPr>
-                          <m:t>1</m:t>
-                        </m:r>
-                      </m:num>
-                      <m:den>
-                        <m:r>
-                          <a:rPr lang="en-US" b="0" i="1" dirty="0" smtClean="0">
-                            <a:solidFill>
-                              <a:srgbClr val="C00000"/>
-                            </a:solidFill>
-                            <a:latin typeface="Cambria Math" panose="02040503050406030204" pitchFamily="18" charset="0"/>
-                          </a:rPr>
-                          <m:t>2</m:t>
-                        </m:r>
-                      </m:den>
-                    </m:f>
-                  </m:oMath>
-                </a14:m>
-                <a:endParaRPr lang="en-US" dirty="0"/>
-              </a:p>
-              <a:p>
-                <a:endParaRPr lang="en-US" dirty="0"/>
-              </a:p>
-              <a:p>
-                <a:r>
-                  <a:rPr lang="en-US" dirty="0"/>
-                  <a:t>What is </a:t>
-                </a:r>
-                <a14:m>
-                  <m:oMath xmlns:m="http://schemas.openxmlformats.org/officeDocument/2006/math">
-                    <m:r>
-                      <m:rPr>
-                        <m:sty m:val="p"/>
-                      </m:rPr>
-                      <a:rPr lang="en-US" sz="2800" b="0" i="0" dirty="0" smtClean="0">
-                        <a:solidFill>
-                          <a:srgbClr val="C00000"/>
-                        </a:solidFill>
-                        <a:latin typeface="Cambria Math" panose="02040503050406030204" pitchFamily="18" charset="0"/>
-                      </a:rPr>
-                      <m:t>E</m:t>
-                    </m:r>
-                    <m:d>
-                      <m:dPr>
-                        <m:begChr m:val="["/>
-                        <m:endChr m:val="]"/>
-                        <m:ctrlPr>
-                          <a:rPr lang="en-US" sz="2800" b="0" i="1" dirty="0" smtClean="0">
-                            <a:solidFill>
-                              <a:srgbClr val="C00000"/>
-                            </a:solidFill>
-                            <a:latin typeface="Cambria Math" panose="02040503050406030204" pitchFamily="18" charset="0"/>
-                          </a:rPr>
-                        </m:ctrlPr>
-                      </m:dPr>
-                      <m:e>
-                        <m:r>
-                          <a:rPr lang="en-US" sz="2800" b="0" i="1" dirty="0" smtClean="0">
-                            <a:solidFill>
-                              <a:srgbClr val="C00000"/>
-                            </a:solidFill>
-                            <a:latin typeface="Cambria Math" panose="02040503050406030204" pitchFamily="18" charset="0"/>
-                          </a:rPr>
-                          <m:t>𝑋</m:t>
-                        </m:r>
-                      </m:e>
-                    </m:d>
-                  </m:oMath>
-                </a14:m>
-                <a:r>
-                  <a:rPr lang="en-US" dirty="0"/>
-                  <a:t>?</a:t>
-                </a:r>
-              </a:p>
-              <a:p>
-                <a:endParaRPr lang="en-US" dirty="0"/>
-              </a:p>
-              <a:p>
-                <a:r>
-                  <a:rPr lang="en-US" dirty="0"/>
-                  <a:t>What is </a:t>
-                </a:r>
-                <a14:m>
-                  <m:oMath xmlns:m="http://schemas.openxmlformats.org/officeDocument/2006/math">
-                    <m:r>
-                      <m:rPr>
-                        <m:sty m:val="p"/>
-                      </m:rPr>
-                      <a:rPr lang="en-US" sz="2800" b="0" i="0" dirty="0" smtClean="0">
-                        <a:solidFill>
-                          <a:srgbClr val="C00000"/>
-                        </a:solidFill>
-                        <a:latin typeface="Cambria Math" panose="02040503050406030204" pitchFamily="18" charset="0"/>
-                      </a:rPr>
-                      <m:t>Var</m:t>
-                    </m:r>
-                    <m:d>
-                      <m:dPr>
-                        <m:begChr m:val="["/>
-                        <m:endChr m:val="]"/>
-                        <m:ctrlPr>
-                          <a:rPr lang="en-US" sz="2800" b="0" i="1" dirty="0" smtClean="0">
-                            <a:solidFill>
-                              <a:srgbClr val="C00000"/>
-                            </a:solidFill>
-                            <a:latin typeface="Cambria Math" panose="02040503050406030204" pitchFamily="18" charset="0"/>
-                          </a:rPr>
-                        </m:ctrlPr>
-                      </m:dPr>
-                      <m:e>
-                        <m:r>
-                          <a:rPr lang="en-US" sz="2800" b="0" i="1" dirty="0" smtClean="0">
-                            <a:solidFill>
-                              <a:srgbClr val="C00000"/>
-                            </a:solidFill>
-                            <a:latin typeface="Cambria Math" panose="02040503050406030204" pitchFamily="18" charset="0"/>
-                          </a:rPr>
-                          <m:t>𝑋</m:t>
-                        </m:r>
-                      </m:e>
-                    </m:d>
-                  </m:oMath>
-                </a14:m>
-                <a:r>
-                  <a:rPr lang="en-US" dirty="0"/>
-                  <a:t>?</a:t>
-                </a:r>
-              </a:p>
-            </p:txBody>
-          </p:sp>
-        </mc:Choice>
-        <mc:Fallback xmlns="">
-          <p:sp>
-            <p:nvSpPr>
-              <p:cNvPr id="3" name="Content Placeholder 2">
-                <a:extLst>
-                  <a:ext uri="{FF2B5EF4-FFF2-40B4-BE49-F238E27FC236}">
-                    <a16:creationId xmlns:a16="http://schemas.microsoft.com/office/drawing/2014/main" id="{6666941B-6AAA-DFD0-8896-ACB1B4FE2AC6}"/>
-                  </a:ext>
-                </a:extLst>
-              </p:cNvPr>
-              <p:cNvSpPr>
-                <a:spLocks noGrp="1" noRot="1" noChangeAspect="1" noMove="1" noResize="1" noEditPoints="1" noAdjustHandles="1" noChangeArrowheads="1" noChangeShapeType="1" noTextEdit="1"/>
-              </p:cNvSpPr>
-              <p:nvPr>
-                <p:ph idx="1"/>
-              </p:nvPr>
-            </p:nvSpPr>
-            <p:spPr>
-              <a:xfrm>
-                <a:off x="838200" y="1825625"/>
-                <a:ext cx="10515600" cy="4667250"/>
-              </a:xfrm>
-              <a:blipFill>
-                <a:blip r:embed="rId2"/>
-                <a:stretch>
-                  <a:fillRect l="-1043" t="-261"/>
-                </a:stretch>
-              </a:blipFill>
-            </p:spPr>
-            <p:txBody>
-              <a:bodyPr/>
-              <a:lstStyle/>
-              <a:p>
-                <a:r>
-                  <a:rPr lang="en-US">
-                    <a:noFill/>
-                  </a:rPr>
-                  <a:t> </a:t>
-                </a:r>
-              </a:p>
-            </p:txBody>
-          </p:sp>
-        </mc:Fallback>
-      </mc:AlternateContent>
-    </p:spTree>
-    <p:extLst>
-      <p:ext uri="{BB962C8B-B14F-4D97-AF65-F5344CB8AC3E}">
-        <p14:creationId xmlns:p14="http://schemas.microsoft.com/office/powerpoint/2010/main" val="1584750609"/>
-      </p:ext>
-    </p:extLst>
-  </p:cSld>
-  <p:clrMapOvr>
-    <a:masterClrMapping/>
-  </p:clrMapOvr>
-</p:sld>
-</file>
-
-<file path=ppt/slides/slide37.xml><?xml version="1.0" encoding="utf-8"?>
-<p:sld xmlns:a="http://schemas.openxmlformats.org/drawingml/2006/main" xmlns:r="http://schemas.openxmlformats.org/officeDocument/2006/relationships" xmlns:p="http://schemas.openxmlformats.org/presentationml/2006/main">
-  <p:cSld>
-    <p:spTree>
-      <p:nvGrpSpPr>
-        <p:cNvPr id="1" name=""/>
-        <p:cNvGrpSpPr/>
-        <p:nvPr/>
-      </p:nvGrpSpPr>
-      <p:grpSpPr>
-        <a:xfrm>
-          <a:off x="0" y="0"/>
-          <a:ext cx="0" cy="0"/>
-          <a:chOff x="0" y="0"/>
-          <a:chExt cx="0" cy="0"/>
-        </a:xfrm>
-      </p:grpSpPr>
-      <p:sp>
-        <p:nvSpPr>
-          <p:cNvPr id="2" name="Title 1">
-            <a:extLst>
-              <a:ext uri="{FF2B5EF4-FFF2-40B4-BE49-F238E27FC236}">
-                <a16:creationId xmlns:a16="http://schemas.microsoft.com/office/drawing/2014/main" id="{A49DDC00-2744-B7F9-8394-609BE1AEC413}"/>
-              </a:ext>
-            </a:extLst>
-          </p:cNvPr>
-          <p:cNvSpPr>
-            <a:spLocks noGrp="1"/>
-          </p:cNvSpPr>
-          <p:nvPr>
-            <p:ph type="title"/>
-          </p:nvPr>
-        </p:nvSpPr>
-        <p:spPr/>
-        <p:txBody>
-          <a:bodyPr/>
-          <a:lstStyle/>
-          <a:p>
-            <a:r>
-              <a:rPr lang="en-US" dirty="0">
-                <a:solidFill>
-                  <a:srgbClr val="C00000"/>
-                </a:solidFill>
-              </a:rPr>
-              <a:t>Variance</a:t>
-            </a:r>
-            <a:endParaRPr lang="en-US" dirty="0"/>
-          </a:p>
-        </p:txBody>
-      </p:sp>
-      <mc:AlternateContent xmlns:mc="http://schemas.openxmlformats.org/markup-compatibility/2006" xmlns:a14="http://schemas.microsoft.com/office/drawing/2010/main">
-        <mc:Choice Requires="a14">
-          <p:sp>
-            <p:nvSpPr>
-              <p:cNvPr id="3" name="Content Placeholder 2">
-                <a:extLst>
-                  <a:ext uri="{FF2B5EF4-FFF2-40B4-BE49-F238E27FC236}">
-                    <a16:creationId xmlns:a16="http://schemas.microsoft.com/office/drawing/2014/main" id="{6666941B-6AAA-DFD0-8896-ACB1B4FE2AC6}"/>
-                  </a:ext>
-                </a:extLst>
-              </p:cNvPr>
-              <p:cNvSpPr>
-                <a:spLocks noGrp="1"/>
-              </p:cNvSpPr>
-              <p:nvPr>
-                <p:ph idx="1"/>
-              </p:nvPr>
-            </p:nvSpPr>
-            <p:spPr>
-              <a:xfrm>
-                <a:off x="838200" y="1825625"/>
-                <a:ext cx="10515600" cy="4667250"/>
-              </a:xfrm>
-            </p:spPr>
-            <p:txBody>
-              <a:bodyPr>
-                <a:normAutofit/>
-              </a:bodyPr>
-              <a:lstStyle/>
-              <a:p>
-                <a:r>
-                  <a:rPr lang="en-US" dirty="0"/>
-                  <a:t>Suppose </a:t>
-                </a:r>
-                <a14:m>
-                  <m:oMath xmlns:m="http://schemas.openxmlformats.org/officeDocument/2006/math">
-                    <m:r>
-                      <a:rPr lang="en-US" b="0" i="1" dirty="0" smtClean="0">
-                        <a:solidFill>
-                          <a:srgbClr val="C00000"/>
-                        </a:solidFill>
-                        <a:latin typeface="Cambria Math" panose="02040503050406030204" pitchFamily="18" charset="0"/>
-                      </a:rPr>
-                      <m:t>𝑌</m:t>
-                    </m:r>
-                  </m:oMath>
-                </a14:m>
-                <a:r>
-                  <a:rPr lang="en-US" dirty="0"/>
-                  <a:t> takes the value </a:t>
-                </a:r>
-                <a14:m>
-                  <m:oMath xmlns:m="http://schemas.openxmlformats.org/officeDocument/2006/math">
-                    <m:r>
-                      <a:rPr lang="en-US" b="0" i="1" dirty="0" smtClean="0">
-                        <a:solidFill>
-                          <a:srgbClr val="C00000"/>
-                        </a:solidFill>
-                        <a:latin typeface="Cambria Math" panose="02040503050406030204" pitchFamily="18" charset="0"/>
-                      </a:rPr>
-                      <m:t>100</m:t>
-                    </m:r>
-                  </m:oMath>
-                </a14:m>
-                <a:r>
-                  <a:rPr lang="en-US" dirty="0"/>
-                  <a:t> with probability </a:t>
-                </a:r>
-                <a14:m>
-                  <m:oMath xmlns:m="http://schemas.openxmlformats.org/officeDocument/2006/math">
-                    <m:f>
-                      <m:fPr>
-                        <m:ctrlPr>
-                          <a:rPr lang="en-US" b="0" i="1" dirty="0" smtClean="0">
-                            <a:solidFill>
-                              <a:srgbClr val="C00000"/>
-                            </a:solidFill>
-                            <a:latin typeface="Cambria Math" panose="02040503050406030204" pitchFamily="18" charset="0"/>
-                          </a:rPr>
-                        </m:ctrlPr>
-                      </m:fPr>
-                      <m:num>
-                        <m:r>
-                          <a:rPr lang="en-US" b="0" i="1" dirty="0" smtClean="0">
-                            <a:solidFill>
-                              <a:srgbClr val="C00000"/>
-                            </a:solidFill>
-                            <a:latin typeface="Cambria Math" panose="02040503050406030204" pitchFamily="18" charset="0"/>
-                          </a:rPr>
-                          <m:t>1</m:t>
-                        </m:r>
-                      </m:num>
-                      <m:den>
-                        <m:r>
-                          <a:rPr lang="en-US" b="0" i="1" dirty="0" smtClean="0">
-                            <a:solidFill>
-                              <a:srgbClr val="C00000"/>
-                            </a:solidFill>
-                            <a:latin typeface="Cambria Math" panose="02040503050406030204" pitchFamily="18" charset="0"/>
-                          </a:rPr>
-                          <m:t>2</m:t>
-                        </m:r>
-                      </m:den>
-                    </m:f>
-                  </m:oMath>
-                </a14:m>
-                <a:r>
-                  <a:rPr lang="en-US" dirty="0"/>
-                  <a:t> and takes the value </a:t>
-                </a:r>
-                <a14:m>
-                  <m:oMath xmlns:m="http://schemas.openxmlformats.org/officeDocument/2006/math">
-                    <m:r>
-                      <a:rPr lang="en-US" b="0" i="1" dirty="0" smtClean="0">
-                        <a:solidFill>
-                          <a:srgbClr val="C00000"/>
-                        </a:solidFill>
-                        <a:latin typeface="Cambria Math" panose="02040503050406030204" pitchFamily="18" charset="0"/>
-                      </a:rPr>
-                      <m:t>−100</m:t>
-                    </m:r>
-                  </m:oMath>
-                </a14:m>
-                <a:r>
-                  <a:rPr lang="en-US" dirty="0"/>
-                  <a:t> with probability </a:t>
-                </a:r>
-                <a14:m>
-                  <m:oMath xmlns:m="http://schemas.openxmlformats.org/officeDocument/2006/math">
-                    <m:f>
-                      <m:fPr>
-                        <m:ctrlPr>
-                          <a:rPr lang="en-US" b="0" i="1" dirty="0" smtClean="0">
-                            <a:solidFill>
-                              <a:srgbClr val="C00000"/>
-                            </a:solidFill>
-                            <a:latin typeface="Cambria Math" panose="02040503050406030204" pitchFamily="18" charset="0"/>
-                          </a:rPr>
-                        </m:ctrlPr>
-                      </m:fPr>
-                      <m:num>
-                        <m:r>
-                          <a:rPr lang="en-US" b="0" i="1" dirty="0" smtClean="0">
-                            <a:solidFill>
-                              <a:srgbClr val="C00000"/>
-                            </a:solidFill>
-                            <a:latin typeface="Cambria Math" panose="02040503050406030204" pitchFamily="18" charset="0"/>
-                          </a:rPr>
-                          <m:t>1</m:t>
-                        </m:r>
-                      </m:num>
-                      <m:den>
-                        <m:r>
-                          <a:rPr lang="en-US" b="0" i="1" dirty="0" smtClean="0">
-                            <a:solidFill>
-                              <a:srgbClr val="C00000"/>
-                            </a:solidFill>
-                            <a:latin typeface="Cambria Math" panose="02040503050406030204" pitchFamily="18" charset="0"/>
-                          </a:rPr>
-                          <m:t>2</m:t>
-                        </m:r>
-                      </m:den>
-                    </m:f>
-                  </m:oMath>
-                </a14:m>
-                <a:endParaRPr lang="en-US" dirty="0"/>
-              </a:p>
-              <a:p>
-                <a:endParaRPr lang="en-US" dirty="0"/>
-              </a:p>
-              <a:p>
-                <a:r>
-                  <a:rPr lang="en-US" dirty="0"/>
-                  <a:t>What is </a:t>
-                </a:r>
-                <a14:m>
-                  <m:oMath xmlns:m="http://schemas.openxmlformats.org/officeDocument/2006/math">
-                    <m:r>
-                      <m:rPr>
-                        <m:sty m:val="p"/>
-                      </m:rPr>
-                      <a:rPr lang="en-US" sz="2800" b="0" i="0" dirty="0" smtClean="0">
-                        <a:solidFill>
-                          <a:srgbClr val="C00000"/>
-                        </a:solidFill>
-                        <a:latin typeface="Cambria Math" panose="02040503050406030204" pitchFamily="18" charset="0"/>
-                      </a:rPr>
-                      <m:t>E</m:t>
-                    </m:r>
-                    <m:d>
-                      <m:dPr>
-                        <m:begChr m:val="["/>
-                        <m:endChr m:val="]"/>
-                        <m:ctrlPr>
-                          <a:rPr lang="en-US" sz="2800" b="0" i="1" dirty="0" smtClean="0">
-                            <a:solidFill>
-                              <a:srgbClr val="C00000"/>
-                            </a:solidFill>
-                            <a:latin typeface="Cambria Math" panose="02040503050406030204" pitchFamily="18" charset="0"/>
-                          </a:rPr>
-                        </m:ctrlPr>
-                      </m:dPr>
-                      <m:e>
-                        <m:r>
-                          <a:rPr lang="en-US" sz="2800" b="0" i="1" dirty="0" smtClean="0">
-                            <a:solidFill>
-                              <a:srgbClr val="C00000"/>
-                            </a:solidFill>
-                            <a:latin typeface="Cambria Math" panose="02040503050406030204" pitchFamily="18" charset="0"/>
-                          </a:rPr>
-                          <m:t>𝑌</m:t>
-                        </m:r>
-                      </m:e>
-                    </m:d>
-                  </m:oMath>
-                </a14:m>
-                <a:r>
-                  <a:rPr lang="en-US" dirty="0"/>
-                  <a:t>?</a:t>
-                </a:r>
-              </a:p>
-              <a:p>
-                <a:endParaRPr lang="en-US" dirty="0"/>
-              </a:p>
-              <a:p>
-                <a:r>
-                  <a:rPr lang="en-US" dirty="0"/>
-                  <a:t>What is </a:t>
-                </a:r>
-                <a14:m>
-                  <m:oMath xmlns:m="http://schemas.openxmlformats.org/officeDocument/2006/math">
-                    <m:r>
-                      <m:rPr>
-                        <m:sty m:val="p"/>
-                      </m:rPr>
-                      <a:rPr lang="en-US" sz="2800" b="0" i="0" dirty="0" smtClean="0">
-                        <a:solidFill>
-                          <a:srgbClr val="C00000"/>
-                        </a:solidFill>
-                        <a:latin typeface="Cambria Math" panose="02040503050406030204" pitchFamily="18" charset="0"/>
-                      </a:rPr>
-                      <m:t>Var</m:t>
-                    </m:r>
-                    <m:d>
-                      <m:dPr>
-                        <m:begChr m:val="["/>
-                        <m:endChr m:val="]"/>
-                        <m:ctrlPr>
-                          <a:rPr lang="en-US" sz="2800" b="0" i="1" dirty="0" smtClean="0">
-                            <a:solidFill>
-                              <a:srgbClr val="C00000"/>
-                            </a:solidFill>
-                            <a:latin typeface="Cambria Math" panose="02040503050406030204" pitchFamily="18" charset="0"/>
-                          </a:rPr>
-                        </m:ctrlPr>
-                      </m:dPr>
-                      <m:e>
-                        <m:r>
-                          <a:rPr lang="en-US" sz="2800" b="0" i="1" dirty="0" smtClean="0">
-                            <a:solidFill>
-                              <a:srgbClr val="C00000"/>
-                            </a:solidFill>
-                            <a:latin typeface="Cambria Math" panose="02040503050406030204" pitchFamily="18" charset="0"/>
-                          </a:rPr>
-                          <m:t>𝑌</m:t>
-                        </m:r>
-                      </m:e>
-                    </m:d>
-                  </m:oMath>
-                </a14:m>
-                <a:r>
-                  <a:rPr lang="en-US" dirty="0"/>
-                  <a:t>?</a:t>
-                </a:r>
-              </a:p>
-            </p:txBody>
-          </p:sp>
-        </mc:Choice>
-        <mc:Fallback xmlns="">
-          <p:sp>
-            <p:nvSpPr>
-              <p:cNvPr id="3" name="Content Placeholder 2">
-                <a:extLst>
-                  <a:ext uri="{FF2B5EF4-FFF2-40B4-BE49-F238E27FC236}">
-                    <a16:creationId xmlns:a16="http://schemas.microsoft.com/office/drawing/2014/main" id="{6666941B-6AAA-DFD0-8896-ACB1B4FE2AC6}"/>
-                  </a:ext>
-                </a:extLst>
-              </p:cNvPr>
-              <p:cNvSpPr>
-                <a:spLocks noGrp="1" noRot="1" noChangeAspect="1" noMove="1" noResize="1" noEditPoints="1" noAdjustHandles="1" noChangeArrowheads="1" noChangeShapeType="1" noTextEdit="1"/>
-              </p:cNvSpPr>
-              <p:nvPr>
-                <p:ph idx="1"/>
-              </p:nvPr>
-            </p:nvSpPr>
-            <p:spPr>
-              <a:xfrm>
-                <a:off x="838200" y="1825625"/>
-                <a:ext cx="10515600" cy="4667250"/>
-              </a:xfrm>
-              <a:blipFill>
-                <a:blip r:embed="rId2"/>
-                <a:stretch>
-                  <a:fillRect l="-1043" t="-261" r="-232"/>
-                </a:stretch>
-              </a:blipFill>
-            </p:spPr>
-            <p:txBody>
-              <a:bodyPr/>
-              <a:lstStyle/>
-              <a:p>
-                <a:r>
-                  <a:rPr lang="en-US">
-                    <a:noFill/>
-                  </a:rPr>
-                  <a:t> </a:t>
-                </a:r>
-              </a:p>
-            </p:txBody>
-          </p:sp>
-        </mc:Fallback>
-      </mc:AlternateContent>
-    </p:spTree>
-    <p:extLst>
-      <p:ext uri="{BB962C8B-B14F-4D97-AF65-F5344CB8AC3E}">
-        <p14:creationId xmlns:p14="http://schemas.microsoft.com/office/powerpoint/2010/main" val="4205345695"/>
-      </p:ext>
-    </p:extLst>
-  </p:cSld>
-  <p:clrMapOvr>
-    <a:masterClrMapping/>
-  </p:clrMapOvr>
-</p:sld>
-</file>
-
-<file path=ppt/slides/slide38.xml><?xml version="1.0" encoding="utf-8"?>
-<p:sld xmlns:a="http://schemas.openxmlformats.org/drawingml/2006/main" xmlns:r="http://schemas.openxmlformats.org/officeDocument/2006/relationships" xmlns:p="http://schemas.openxmlformats.org/presentationml/2006/main">
-  <p:cSld>
-    <p:spTree>
-      <p:nvGrpSpPr>
-        <p:cNvPr id="1" name=""/>
-        <p:cNvGrpSpPr/>
-        <p:nvPr/>
-      </p:nvGrpSpPr>
-      <p:grpSpPr>
-        <a:xfrm>
-          <a:off x="0" y="0"/>
-          <a:ext cx="0" cy="0"/>
-          <a:chOff x="0" y="0"/>
-          <a:chExt cx="0" cy="0"/>
-        </a:xfrm>
-      </p:grpSpPr>
-      <p:sp>
-        <p:nvSpPr>
-          <p:cNvPr id="2" name="Title 1">
-            <a:extLst>
-              <a:ext uri="{FF2B5EF4-FFF2-40B4-BE49-F238E27FC236}">
-                <a16:creationId xmlns:a16="http://schemas.microsoft.com/office/drawing/2014/main" id="{A49DDC00-2744-B7F9-8394-609BE1AEC413}"/>
-              </a:ext>
-            </a:extLst>
-          </p:cNvPr>
-          <p:cNvSpPr>
-            <a:spLocks noGrp="1"/>
-          </p:cNvSpPr>
-          <p:nvPr>
-            <p:ph type="title"/>
-          </p:nvPr>
-        </p:nvSpPr>
-        <p:spPr/>
-        <p:txBody>
-          <a:bodyPr/>
-          <a:lstStyle/>
-          <a:p>
-            <a:r>
-              <a:rPr lang="en-US" dirty="0">
-                <a:solidFill>
-                  <a:srgbClr val="C00000"/>
-                </a:solidFill>
-              </a:rPr>
-              <a:t>Chebyshev’s Inequality</a:t>
-            </a:r>
-            <a:endParaRPr lang="en-US" dirty="0"/>
-          </a:p>
-        </p:txBody>
-      </p:sp>
-      <mc:AlternateContent xmlns:mc="http://schemas.openxmlformats.org/markup-compatibility/2006" xmlns:a14="http://schemas.microsoft.com/office/drawing/2010/main">
-        <mc:Choice Requires="a14">
-          <p:sp>
-            <p:nvSpPr>
-              <p:cNvPr id="3" name="Content Placeholder 2">
-                <a:extLst>
-                  <a:ext uri="{FF2B5EF4-FFF2-40B4-BE49-F238E27FC236}">
-                    <a16:creationId xmlns:a16="http://schemas.microsoft.com/office/drawing/2014/main" id="{6666941B-6AAA-DFD0-8896-ACB1B4FE2AC6}"/>
-                  </a:ext>
-                </a:extLst>
-              </p:cNvPr>
-              <p:cNvSpPr>
-                <a:spLocks noGrp="1"/>
-              </p:cNvSpPr>
-              <p:nvPr>
-                <p:ph idx="1"/>
-              </p:nvPr>
-            </p:nvSpPr>
-            <p:spPr>
-              <a:xfrm>
-                <a:off x="838200" y="1825625"/>
-                <a:ext cx="10515600" cy="4667250"/>
-              </a:xfrm>
-            </p:spPr>
-            <p:txBody>
-              <a:bodyPr>
-                <a:normAutofit/>
-              </a:bodyPr>
-              <a:lstStyle/>
-              <a:p>
-                <a:r>
-                  <a:rPr lang="en-US" dirty="0"/>
-                  <a:t>Let </a:t>
-                </a:r>
-                <a14:m>
-                  <m:oMath xmlns:m="http://schemas.openxmlformats.org/officeDocument/2006/math">
-                    <m:r>
-                      <a:rPr lang="en-US" b="0" i="1" dirty="0" smtClean="0">
-                        <a:solidFill>
-                          <a:srgbClr val="C00000"/>
-                        </a:solidFill>
-                        <a:latin typeface="Cambria Math" panose="02040503050406030204" pitchFamily="18" charset="0"/>
-                      </a:rPr>
-                      <m:t>𝑋</m:t>
-                    </m:r>
-                  </m:oMath>
-                </a14:m>
-                <a:r>
-                  <a:rPr lang="en-US" dirty="0"/>
-                  <a:t> be a random variable with expected value </a:t>
-                </a:r>
-                <a14:m>
-                  <m:oMath xmlns:m="http://schemas.openxmlformats.org/officeDocument/2006/math">
-                    <m:r>
-                      <a:rPr lang="en-US" b="0" i="1" dirty="0" smtClean="0">
-                        <a:solidFill>
-                          <a:srgbClr val="C00000"/>
-                        </a:solidFill>
-                        <a:latin typeface="Cambria Math" panose="02040503050406030204" pitchFamily="18" charset="0"/>
-                      </a:rPr>
-                      <m:t>𝜇</m:t>
-                    </m:r>
-                    <m:r>
-                      <a:rPr lang="en-US" b="0" i="1" dirty="0" smtClean="0">
-                        <a:solidFill>
-                          <a:srgbClr val="C00000"/>
-                        </a:solidFill>
-                        <a:latin typeface="Cambria Math" panose="02040503050406030204" pitchFamily="18" charset="0"/>
-                      </a:rPr>
-                      <m:t>≔</m:t>
-                    </m:r>
-                    <m:r>
-                      <m:rPr>
-                        <m:sty m:val="p"/>
-                      </m:rPr>
-                      <a:rPr lang="en-US" b="0" i="0" dirty="0" smtClean="0">
-                        <a:solidFill>
-                          <a:srgbClr val="C00000"/>
-                        </a:solidFill>
-                        <a:latin typeface="Cambria Math" panose="02040503050406030204" pitchFamily="18" charset="0"/>
-                      </a:rPr>
-                      <m:t>E</m:t>
-                    </m:r>
-                    <m:r>
-                      <a:rPr lang="en-US" b="0" i="0" dirty="0" smtClean="0">
-                        <a:solidFill>
-                          <a:srgbClr val="C00000"/>
-                        </a:solidFill>
-                        <a:latin typeface="Cambria Math" panose="02040503050406030204" pitchFamily="18" charset="0"/>
-                      </a:rPr>
-                      <m:t>[</m:t>
-                    </m:r>
-                    <m:r>
-                      <a:rPr lang="en-US" b="0" i="1" dirty="0" smtClean="0">
-                        <a:solidFill>
-                          <a:srgbClr val="C00000"/>
-                        </a:solidFill>
-                        <a:latin typeface="Cambria Math" panose="02040503050406030204" pitchFamily="18" charset="0"/>
-                      </a:rPr>
-                      <m:t>𝑋</m:t>
-                    </m:r>
-                    <m:r>
-                      <a:rPr lang="en-US" b="0" i="0" dirty="0" smtClean="0">
-                        <a:solidFill>
-                          <a:srgbClr val="C00000"/>
-                        </a:solidFill>
-                        <a:latin typeface="Cambria Math" panose="02040503050406030204" pitchFamily="18" charset="0"/>
-                      </a:rPr>
-                      <m:t>]</m:t>
-                    </m:r>
-                  </m:oMath>
-                </a14:m>
-                <a:r>
-                  <a:rPr lang="en-US" dirty="0"/>
-                  <a:t> and variance </a:t>
-                </a:r>
-                <a14:m>
-                  <m:oMath xmlns:m="http://schemas.openxmlformats.org/officeDocument/2006/math">
-                    <m:sSup>
-                      <m:sSupPr>
-                        <m:ctrlPr>
-                          <a:rPr lang="en-US" b="0" i="1" dirty="0" smtClean="0">
-                            <a:solidFill>
-                              <a:srgbClr val="C00000"/>
-                            </a:solidFill>
-                            <a:latin typeface="Cambria Math" panose="02040503050406030204" pitchFamily="18" charset="0"/>
-                          </a:rPr>
-                        </m:ctrlPr>
-                      </m:sSupPr>
-                      <m:e>
-                        <m:r>
-                          <a:rPr lang="en-US" b="0" i="1" dirty="0" smtClean="0">
-                            <a:solidFill>
-                              <a:srgbClr val="C00000"/>
-                            </a:solidFill>
-                            <a:latin typeface="Cambria Math" panose="02040503050406030204" pitchFamily="18" charset="0"/>
-                          </a:rPr>
-                          <m:t>𝜎</m:t>
-                        </m:r>
-                      </m:e>
-                      <m:sup>
-                        <m:r>
-                          <a:rPr lang="en-US" b="0" i="1" dirty="0" smtClean="0">
-                            <a:solidFill>
-                              <a:srgbClr val="C00000"/>
-                            </a:solidFill>
-                            <a:latin typeface="Cambria Math" panose="02040503050406030204" pitchFamily="18" charset="0"/>
-                          </a:rPr>
-                          <m:t>2</m:t>
-                        </m:r>
-                      </m:sup>
-                    </m:sSup>
-                    <m:r>
-                      <a:rPr lang="en-US" b="0" i="1" dirty="0" smtClean="0">
-                        <a:solidFill>
-                          <a:srgbClr val="C00000"/>
-                        </a:solidFill>
-                        <a:latin typeface="Cambria Math" panose="02040503050406030204" pitchFamily="18" charset="0"/>
-                      </a:rPr>
-                      <m:t>≔</m:t>
-                    </m:r>
-                    <m:r>
-                      <m:rPr>
-                        <m:sty m:val="p"/>
-                      </m:rPr>
-                      <a:rPr lang="en-US" dirty="0">
-                        <a:solidFill>
-                          <a:srgbClr val="C00000"/>
-                        </a:solidFill>
-                        <a:latin typeface="Cambria Math" panose="02040503050406030204" pitchFamily="18" charset="0"/>
-                      </a:rPr>
-                      <m:t>Var</m:t>
-                    </m:r>
-                    <m:d>
-                      <m:dPr>
-                        <m:begChr m:val="["/>
-                        <m:endChr m:val="]"/>
-                        <m:ctrlPr>
-                          <a:rPr lang="en-US" i="1" dirty="0">
-                            <a:solidFill>
-                              <a:srgbClr val="C00000"/>
-                            </a:solidFill>
-                            <a:latin typeface="Cambria Math" panose="02040503050406030204" pitchFamily="18" charset="0"/>
-                          </a:rPr>
-                        </m:ctrlPr>
-                      </m:dPr>
-                      <m:e>
-                        <m:r>
-                          <a:rPr lang="en-US" b="0" i="1" dirty="0" smtClean="0">
-                            <a:solidFill>
-                              <a:srgbClr val="C00000"/>
-                            </a:solidFill>
-                            <a:latin typeface="Cambria Math" panose="02040503050406030204" pitchFamily="18" charset="0"/>
-                          </a:rPr>
-                          <m:t>𝑋</m:t>
-                        </m:r>
-                      </m:e>
-                    </m:d>
-                  </m:oMath>
-                </a14:m>
-                <a:endParaRPr lang="en-US" dirty="0"/>
-              </a:p>
-              <a:p>
-                <a:endParaRPr lang="en-US" dirty="0"/>
-              </a:p>
-              <a:p>
-                <a:endParaRPr lang="en-US" dirty="0"/>
-              </a:p>
-              <a:p>
-                <a:endParaRPr lang="en-US" dirty="0"/>
-              </a:p>
-              <a:p>
-                <a:endParaRPr lang="en-US" dirty="0"/>
-              </a:p>
-              <a:p>
-                <a:endParaRPr lang="en-US" dirty="0"/>
-              </a:p>
-              <a:p>
-                <a:r>
-                  <a:rPr lang="en-US" dirty="0"/>
-                  <a:t>“What is the probability a random variable is far away from its average?”</a:t>
-                </a:r>
-              </a:p>
-            </p:txBody>
-          </p:sp>
-        </mc:Choice>
-        <mc:Fallback xmlns="">
-          <p:sp>
-            <p:nvSpPr>
-              <p:cNvPr id="3" name="Content Placeholder 2">
-                <a:extLst>
-                  <a:ext uri="{FF2B5EF4-FFF2-40B4-BE49-F238E27FC236}">
-                    <a16:creationId xmlns:a16="http://schemas.microsoft.com/office/drawing/2014/main" id="{6666941B-6AAA-DFD0-8896-ACB1B4FE2AC6}"/>
-                  </a:ext>
-                </a:extLst>
-              </p:cNvPr>
-              <p:cNvSpPr>
-                <a:spLocks noGrp="1" noRot="1" noChangeAspect="1" noMove="1" noResize="1" noEditPoints="1" noAdjustHandles="1" noChangeArrowheads="1" noChangeShapeType="1" noTextEdit="1"/>
-              </p:cNvSpPr>
-              <p:nvPr>
-                <p:ph idx="1"/>
-              </p:nvPr>
-            </p:nvSpPr>
-            <p:spPr>
-              <a:xfrm>
-                <a:off x="838200" y="1825625"/>
-                <a:ext cx="10515600" cy="4667250"/>
-              </a:xfrm>
-              <a:blipFill>
-                <a:blip r:embed="rId2"/>
-                <a:stretch>
-                  <a:fillRect l="-1043" t="-2089"/>
-                </a:stretch>
-              </a:blipFill>
-            </p:spPr>
-            <p:txBody>
-              <a:bodyPr/>
-              <a:lstStyle/>
-              <a:p>
-                <a:r>
-                  <a:rPr lang="en-US">
-                    <a:noFill/>
-                  </a:rPr>
-                  <a:t> </a:t>
-                </a:r>
-              </a:p>
-            </p:txBody>
-          </p:sp>
-        </mc:Fallback>
-      </mc:AlternateContent>
-      <mc:AlternateContent xmlns:mc="http://schemas.openxmlformats.org/markup-compatibility/2006" xmlns:a14="http://schemas.microsoft.com/office/drawing/2010/main">
-        <mc:Choice Requires="a14">
-          <p:sp>
-            <p:nvSpPr>
-              <p:cNvPr id="4" name="TextBox 3">
-                <a:extLst>
-                  <a:ext uri="{FF2B5EF4-FFF2-40B4-BE49-F238E27FC236}">
-                    <a16:creationId xmlns:a16="http://schemas.microsoft.com/office/drawing/2014/main" id="{55173900-E52E-F929-2C7C-74CCBD94899E}"/>
-                  </a:ext>
-                </a:extLst>
-              </p:cNvPr>
-              <p:cNvSpPr txBox="1"/>
-              <p:nvPr/>
-            </p:nvSpPr>
-            <p:spPr>
-              <a:xfrm>
-                <a:off x="2805953" y="3100899"/>
-                <a:ext cx="6096000" cy="901785"/>
-              </a:xfrm>
-              <a:prstGeom prst="rect">
-                <a:avLst/>
-              </a:prstGeom>
-              <a:noFill/>
-            </p:spPr>
-            <p:txBody>
-              <a:bodyPr wrap="square">
-                <a:spAutoFit/>
-              </a:bodyPr>
-              <a:lstStyle/>
-              <a:p>
-                <a:pPr/>
-                <a14:m>
-                  <m:oMathPara xmlns:m="http://schemas.openxmlformats.org/officeDocument/2006/math">
-                    <m:oMathParaPr>
-                      <m:jc m:val="centerGroup"/>
-                    </m:oMathParaPr>
-                    <m:oMath xmlns:m="http://schemas.openxmlformats.org/officeDocument/2006/math">
-                      <m:r>
-                        <m:rPr>
-                          <m:sty m:val="p"/>
-                        </m:rPr>
-                        <a:rPr lang="en-US" sz="2800" b="0" i="0" dirty="0" smtClean="0">
-                          <a:solidFill>
-                            <a:srgbClr val="C00000"/>
-                          </a:solidFill>
-                          <a:latin typeface="Cambria Math" panose="02040503050406030204" pitchFamily="18" charset="0"/>
-                        </a:rPr>
-                        <m:t>Pr</m:t>
-                      </m:r>
-                      <m:d>
-                        <m:dPr>
-                          <m:begChr m:val="["/>
-                          <m:endChr m:val="]"/>
-                          <m:ctrlPr>
-                            <a:rPr lang="en-US" sz="2800" b="0" i="1" dirty="0" smtClean="0">
-                              <a:solidFill>
-                                <a:srgbClr val="C00000"/>
-                              </a:solidFill>
-                              <a:latin typeface="Cambria Math" panose="02040503050406030204" pitchFamily="18" charset="0"/>
-                            </a:rPr>
-                          </m:ctrlPr>
-                        </m:dPr>
-                        <m:e>
-                          <m:d>
-                            <m:dPr>
-                              <m:begChr m:val="|"/>
-                              <m:endChr m:val="|"/>
-                              <m:ctrlPr>
-                                <a:rPr lang="en-US" sz="2800" b="0" i="1" dirty="0" smtClean="0">
-                                  <a:solidFill>
-                                    <a:srgbClr val="C00000"/>
-                                  </a:solidFill>
-                                  <a:latin typeface="Cambria Math" panose="02040503050406030204" pitchFamily="18" charset="0"/>
-                                </a:rPr>
-                              </m:ctrlPr>
-                            </m:dPr>
-                            <m:e>
-                              <m:r>
-                                <a:rPr lang="en-US" sz="2800" i="1" dirty="0">
-                                  <a:solidFill>
-                                    <a:srgbClr val="C00000"/>
-                                  </a:solidFill>
-                                  <a:latin typeface="Cambria Math" panose="02040503050406030204" pitchFamily="18" charset="0"/>
-                                </a:rPr>
-                                <m:t>𝑋</m:t>
-                              </m:r>
-                              <m:r>
-                                <a:rPr lang="en-US" sz="2800" b="0" i="1" dirty="0" smtClean="0">
-                                  <a:solidFill>
-                                    <a:srgbClr val="C00000"/>
-                                  </a:solidFill>
-                                  <a:latin typeface="Cambria Math" panose="02040503050406030204" pitchFamily="18" charset="0"/>
-                                </a:rPr>
-                                <m:t>−</m:t>
-                              </m:r>
-                              <m:r>
-                                <a:rPr lang="en-US" sz="2800" b="0" i="1" dirty="0" smtClean="0">
-                                  <a:solidFill>
-                                    <a:srgbClr val="C00000"/>
-                                  </a:solidFill>
-                                  <a:latin typeface="Cambria Math" panose="02040503050406030204" pitchFamily="18" charset="0"/>
-                                </a:rPr>
-                                <m:t>𝜇</m:t>
-                              </m:r>
-                            </m:e>
-                          </m:d>
-                          <m:r>
-                            <a:rPr lang="en-US" sz="2800" b="0" i="1" dirty="0" smtClean="0">
-                              <a:solidFill>
-                                <a:srgbClr val="C00000"/>
-                              </a:solidFill>
-                              <a:latin typeface="Cambria Math" panose="02040503050406030204" pitchFamily="18" charset="0"/>
-                            </a:rPr>
-                            <m:t>≥</m:t>
-                          </m:r>
-                          <m:r>
-                            <a:rPr lang="en-US" sz="2800" b="0" i="1" dirty="0" smtClean="0">
-                              <a:solidFill>
-                                <a:srgbClr val="C00000"/>
-                              </a:solidFill>
-                              <a:latin typeface="Cambria Math" panose="02040503050406030204" pitchFamily="18" charset="0"/>
-                            </a:rPr>
-                            <m:t>𝑘</m:t>
-                          </m:r>
-                          <m:r>
-                            <a:rPr lang="en-US" sz="2800" b="0" i="1" dirty="0" smtClean="0">
-                              <a:solidFill>
-                                <a:srgbClr val="C00000"/>
-                              </a:solidFill>
-                              <a:latin typeface="Cambria Math" panose="02040503050406030204" pitchFamily="18" charset="0"/>
-                            </a:rPr>
-                            <m:t>𝜎</m:t>
-                          </m:r>
-                        </m:e>
-                      </m:d>
-                      <m:r>
-                        <a:rPr lang="en-US" sz="2800" b="0" i="1" dirty="0" smtClean="0">
-                          <a:solidFill>
-                            <a:srgbClr val="C00000"/>
-                          </a:solidFill>
-                          <a:latin typeface="Cambria Math" panose="02040503050406030204" pitchFamily="18" charset="0"/>
-                        </a:rPr>
-                        <m:t>≤</m:t>
-                      </m:r>
-                      <m:f>
-                        <m:fPr>
-                          <m:ctrlPr>
-                            <a:rPr lang="en-US" sz="2800" b="0" i="1" dirty="0" smtClean="0">
-                              <a:solidFill>
-                                <a:srgbClr val="C00000"/>
-                              </a:solidFill>
-                              <a:latin typeface="Cambria Math" panose="02040503050406030204" pitchFamily="18" charset="0"/>
-                            </a:rPr>
-                          </m:ctrlPr>
-                        </m:fPr>
-                        <m:num>
-                          <m:r>
-                            <a:rPr lang="en-US" sz="2800" b="0" i="1" dirty="0" smtClean="0">
-                              <a:solidFill>
-                                <a:srgbClr val="C00000"/>
-                              </a:solidFill>
-                              <a:latin typeface="Cambria Math" panose="02040503050406030204" pitchFamily="18" charset="0"/>
-                            </a:rPr>
-                            <m:t>1</m:t>
-                          </m:r>
-                        </m:num>
-                        <m:den>
-                          <m:sSup>
-                            <m:sSupPr>
-                              <m:ctrlPr>
-                                <a:rPr lang="en-US" sz="2800" b="0" i="1" dirty="0" smtClean="0">
-                                  <a:solidFill>
-                                    <a:srgbClr val="C00000"/>
-                                  </a:solidFill>
-                                  <a:latin typeface="Cambria Math" panose="02040503050406030204" pitchFamily="18" charset="0"/>
-                                </a:rPr>
-                              </m:ctrlPr>
-                            </m:sSupPr>
-                            <m:e>
-                              <m:r>
-                                <a:rPr lang="en-US" sz="2800" b="0" i="1" dirty="0" smtClean="0">
-                                  <a:solidFill>
-                                    <a:srgbClr val="C00000"/>
-                                  </a:solidFill>
-                                  <a:latin typeface="Cambria Math" panose="02040503050406030204" pitchFamily="18" charset="0"/>
-                                </a:rPr>
-                                <m:t>𝑘</m:t>
-                              </m:r>
-                            </m:e>
-                            <m:sup>
-                              <m:r>
-                                <a:rPr lang="en-US" sz="2800" b="0" i="1" dirty="0" smtClean="0">
-                                  <a:solidFill>
-                                    <a:srgbClr val="C00000"/>
-                                  </a:solidFill>
-                                  <a:latin typeface="Cambria Math" panose="02040503050406030204" pitchFamily="18" charset="0"/>
-                                </a:rPr>
-                                <m:t>2</m:t>
-                              </m:r>
-                            </m:sup>
-                          </m:sSup>
-                        </m:den>
-                      </m:f>
-                    </m:oMath>
-                  </m:oMathPara>
-                </a14:m>
-                <a:endParaRPr lang="en-US" sz="2800" dirty="0"/>
-              </a:p>
-            </p:txBody>
-          </p:sp>
-        </mc:Choice>
-        <mc:Fallback xmlns="">
-          <p:sp>
-            <p:nvSpPr>
-              <p:cNvPr id="4" name="TextBox 3">
-                <a:extLst>
-                  <a:ext uri="{FF2B5EF4-FFF2-40B4-BE49-F238E27FC236}">
-                    <a16:creationId xmlns:a16="http://schemas.microsoft.com/office/drawing/2014/main" id="{55173900-E52E-F929-2C7C-74CCBD94899E}"/>
-                  </a:ext>
-                </a:extLst>
-              </p:cNvPr>
-              <p:cNvSpPr txBox="1">
-                <a:spLocks noRot="1" noChangeAspect="1" noMove="1" noResize="1" noEditPoints="1" noAdjustHandles="1" noChangeArrowheads="1" noChangeShapeType="1" noTextEdit="1"/>
-              </p:cNvSpPr>
-              <p:nvPr/>
-            </p:nvSpPr>
-            <p:spPr>
-              <a:xfrm>
-                <a:off x="2805953" y="3100899"/>
-                <a:ext cx="6096000" cy="901785"/>
-              </a:xfrm>
-              <a:prstGeom prst="rect">
-                <a:avLst/>
-              </a:prstGeom>
-              <a:blipFill>
-                <a:blip r:embed="rId3"/>
-                <a:stretch>
-                  <a:fillRect/>
-                </a:stretch>
-              </a:blipFill>
-            </p:spPr>
-            <p:txBody>
-              <a:bodyPr/>
-              <a:lstStyle/>
-              <a:p>
-                <a:r>
-                  <a:rPr lang="en-US">
-                    <a:noFill/>
-                  </a:rPr>
-                  <a:t> </a:t>
-                </a:r>
-              </a:p>
-            </p:txBody>
-          </p:sp>
-        </mc:Fallback>
-      </mc:AlternateContent>
-    </p:spTree>
-    <p:extLst>
-      <p:ext uri="{BB962C8B-B14F-4D97-AF65-F5344CB8AC3E}">
-        <p14:creationId xmlns:p14="http://schemas.microsoft.com/office/powerpoint/2010/main" val="3828392779"/>
       </p:ext>
     </p:extLst>
   </p:cSld>
@@ -28050,8 +24257,8 @@
           </a:xfrm>
         </p:spPr>
       </p:pic>
-      <mc:AlternateContent xmlns:mc="http://schemas.openxmlformats.org/markup-compatibility/2006">
-        <mc:Choice xmlns:a14="http://schemas.microsoft.com/office/drawing/2010/main" Requires="a14">
+      <mc:AlternateContent xmlns:mc="http://schemas.openxmlformats.org/markup-compatibility/2006" xmlns:a14="http://schemas.microsoft.com/office/drawing/2010/main">
+        <mc:Choice Requires="a14">
           <p:sp>
             <p:nvSpPr>
               <p:cNvPr id="12" name="Content Placeholder 2">
@@ -28403,7 +24610,7 @@
             </p:txBody>
           </p:sp>
         </mc:Choice>
-        <mc:Fallback>
+        <mc:Fallback xmlns="">
           <p:sp>
             <p:nvSpPr>
               <p:cNvPr id="12" name="Content Placeholder 2">
